--- a/Woocommerce Toàn Tập A - Z.pptx
+++ b/Woocommerce Toàn Tập A - Z.pptx
@@ -119,6 +119,11 @@
       </a:defRPr>
     </a:lvl9pPr>
   </p:defaultTextStyle>
+  <p:extLst>
+    <p:ext uri="{EFAFB233-063F-42B5-8137-9DF3F51BA10A}">
+      <p15:sldGuideLst xmlns:p15="http://schemas.microsoft.com/office/powerpoint/2012/main"/>
+    </p:ext>
+  </p:extLst>
 </p:presentation>
 </file>
 
@@ -3406,7 +3411,7 @@
           <a:lstStyle/>
           <a:p>
             <a:r>
-              <a:rPr lang="en-US"/>
+              <a:rPr lang="en-US" dirty="0"/>
               <a:t>https://www.youtube.com/watch?v=E-d4k09KeQ8</a:t>
             </a:r>
           </a:p>
@@ -4602,12 +4607,65 @@
             <p:ph type="title"/>
           </p:nvPr>
         </p:nvSpPr>
-        <p:spPr/>
-        <p:txBody>
-          <a:bodyPr/>
-          <a:lstStyle/>
-          <a:p>
-            <a:endParaRPr lang="en-US"/>
+        <p:spPr>
+          <a:xfrm>
+            <a:off x="0" y="0"/>
+            <a:ext cx="10515600" cy="879231"/>
+          </a:xfrm>
+        </p:spPr>
+        <p:txBody>
+          <a:bodyPr/>
+          <a:lstStyle/>
+          <a:p>
+            <a:r>
+              <a:rPr lang="en-US" dirty="0" err="1" smtClean="0"/>
+              <a:t>Cài</a:t>
+            </a:r>
+            <a:r>
+              <a:rPr lang="en-US" dirty="0" smtClean="0"/>
+              <a:t> </a:t>
+            </a:r>
+            <a:r>
+              <a:rPr lang="en-US" dirty="0" err="1" smtClean="0"/>
+              <a:t>đặt</a:t>
+            </a:r>
+            <a:r>
+              <a:rPr lang="en-US" dirty="0" smtClean="0"/>
+              <a:t> </a:t>
+            </a:r>
+            <a:r>
+              <a:rPr lang="en-US" dirty="0" err="1" smtClean="0"/>
+              <a:t>chung</a:t>
+            </a:r>
+            <a:r>
+              <a:rPr lang="en-US" dirty="0" smtClean="0"/>
+              <a:t> </a:t>
+            </a:r>
+            <a:r>
+              <a:rPr lang="en-US" dirty="0" err="1" smtClean="0"/>
+              <a:t>cho</a:t>
+            </a:r>
+            <a:r>
+              <a:rPr lang="en-US" dirty="0" smtClean="0"/>
+              <a:t> </a:t>
+            </a:r>
+            <a:r>
+              <a:rPr lang="en-US" dirty="0" err="1" smtClean="0"/>
+              <a:t>sản</a:t>
+            </a:r>
+            <a:r>
+              <a:rPr lang="en-US" dirty="0" smtClean="0"/>
+              <a:t> </a:t>
+            </a:r>
+            <a:r>
+              <a:rPr lang="en-US" dirty="0" err="1" smtClean="0"/>
+              <a:t>phẩm</a:t>
+            </a:r>
+            <a:r>
+              <a:rPr lang="en-US" dirty="0"/>
+              <a:t>:</a:t>
+            </a:r>
+            <a:endParaRPr lang="en-US" dirty="0"/>
           </a:p>
         </p:txBody>
       </p:sp>
@@ -4627,12 +4685,17 @@
             <p:ph idx="1"/>
           </p:nvPr>
         </p:nvSpPr>
-        <p:spPr/>
-        <p:txBody>
-          <a:bodyPr/>
-          <a:lstStyle/>
-          <a:p>
-            <a:endParaRPr lang="en-US"/>
+        <p:spPr>
+          <a:xfrm>
+            <a:off x="-1" y="879230"/>
+            <a:ext cx="12098215" cy="5917223"/>
+          </a:xfrm>
+        </p:spPr>
+        <p:txBody>
+          <a:bodyPr/>
+          <a:lstStyle/>
+          <a:p>
+            <a:endParaRPr lang="en-US" dirty="0"/>
           </a:p>
         </p:txBody>
       </p:sp>
@@ -4716,6 +4779,30 @@
           </a:p>
         </p:txBody>
       </p:sp>
+      <p:pic>
+        <p:nvPicPr>
+          <p:cNvPr id="4" name="Picture 3"/>
+          <p:cNvPicPr>
+            <a:picLocks noChangeAspect="1"/>
+          </p:cNvPicPr>
+          <p:nvPr/>
+        </p:nvPicPr>
+        <p:blipFill>
+          <a:blip r:embed="rId2"/>
+          <a:stretch>
+            <a:fillRect/>
+          </a:stretch>
+        </p:blipFill>
+        <p:spPr>
+          <a:xfrm>
+            <a:off x="697196" y="365125"/>
+            <a:ext cx="9935962" cy="5001323"/>
+          </a:xfrm>
+          <a:prstGeom prst="rect">
+            <a:avLst/>
+          </a:prstGeom>
+        </p:spPr>
+      </p:pic>
     </p:spTree>
     <p:extLst>
       <p:ext uri="{BB962C8B-B14F-4D97-AF65-F5344CB8AC3E}">

--- a/Woocommerce Toàn Tập A - Z.pptx
+++ b/Woocommerce Toàn Tập A - Z.pptx
@@ -9,18 +9,29 @@
     <p:sldId id="257" r:id="rId3"/>
     <p:sldId id="258" r:id="rId4"/>
     <p:sldId id="259" r:id="rId5"/>
-    <p:sldId id="260" r:id="rId6"/>
-    <p:sldId id="261" r:id="rId7"/>
-    <p:sldId id="262" r:id="rId8"/>
-    <p:sldId id="263" r:id="rId9"/>
-    <p:sldId id="264" r:id="rId10"/>
-    <p:sldId id="265" r:id="rId11"/>
-    <p:sldId id="266" r:id="rId12"/>
-    <p:sldId id="267" r:id="rId13"/>
-    <p:sldId id="268" r:id="rId14"/>
-    <p:sldId id="269" r:id="rId15"/>
-    <p:sldId id="270" r:id="rId16"/>
-    <p:sldId id="271" r:id="rId17"/>
+    <p:sldId id="261" r:id="rId6"/>
+    <p:sldId id="260" r:id="rId7"/>
+    <p:sldId id="272" r:id="rId8"/>
+    <p:sldId id="262" r:id="rId9"/>
+    <p:sldId id="263" r:id="rId10"/>
+    <p:sldId id="264" r:id="rId11"/>
+    <p:sldId id="265" r:id="rId12"/>
+    <p:sldId id="266" r:id="rId13"/>
+    <p:sldId id="267" r:id="rId14"/>
+    <p:sldId id="273" r:id="rId15"/>
+    <p:sldId id="274" r:id="rId16"/>
+    <p:sldId id="275" r:id="rId17"/>
+    <p:sldId id="276" r:id="rId18"/>
+    <p:sldId id="268" r:id="rId19"/>
+    <p:sldId id="269" r:id="rId20"/>
+    <p:sldId id="277" r:id="rId21"/>
+    <p:sldId id="278" r:id="rId22"/>
+    <p:sldId id="279" r:id="rId23"/>
+    <p:sldId id="280" r:id="rId24"/>
+    <p:sldId id="281" r:id="rId25"/>
+    <p:sldId id="282" r:id="rId26"/>
+    <p:sldId id="270" r:id="rId27"/>
+    <p:sldId id="271" r:id="rId28"/>
   </p:sldIdLst>
   <p:sldSz cx="12192000" cy="6858000"/>
   <p:notesSz cx="6858000" cy="9144000"/>
@@ -274,7 +285,7 @@
           <a:p>
             <a:fld id="{7DB540D3-39DB-46E3-9558-C8A50A5C5717}" type="datetimeFigureOut">
               <a:rPr lang="en-US" smtClean="0"/>
-              <a:t>24/09/2024</a:t>
+              <a:t>25/09/2024</a:t>
             </a:fld>
             <a:endParaRPr lang="en-US"/>
           </a:p>
@@ -472,7 +483,7 @@
           <a:p>
             <a:fld id="{7DB540D3-39DB-46E3-9558-C8A50A5C5717}" type="datetimeFigureOut">
               <a:rPr lang="en-US" smtClean="0"/>
-              <a:t>24/09/2024</a:t>
+              <a:t>25/09/2024</a:t>
             </a:fld>
             <a:endParaRPr lang="en-US"/>
           </a:p>
@@ -680,7 +691,7 @@
           <a:p>
             <a:fld id="{7DB540D3-39DB-46E3-9558-C8A50A5C5717}" type="datetimeFigureOut">
               <a:rPr lang="en-US" smtClean="0"/>
-              <a:t>24/09/2024</a:t>
+              <a:t>25/09/2024</a:t>
             </a:fld>
             <a:endParaRPr lang="en-US"/>
           </a:p>
@@ -878,7 +889,7 @@
           <a:p>
             <a:fld id="{7DB540D3-39DB-46E3-9558-C8A50A5C5717}" type="datetimeFigureOut">
               <a:rPr lang="en-US" smtClean="0"/>
-              <a:t>24/09/2024</a:t>
+              <a:t>25/09/2024</a:t>
             </a:fld>
             <a:endParaRPr lang="en-US"/>
           </a:p>
@@ -1153,7 +1164,7 @@
           <a:p>
             <a:fld id="{7DB540D3-39DB-46E3-9558-C8A50A5C5717}" type="datetimeFigureOut">
               <a:rPr lang="en-US" smtClean="0"/>
-              <a:t>24/09/2024</a:t>
+              <a:t>25/09/2024</a:t>
             </a:fld>
             <a:endParaRPr lang="en-US"/>
           </a:p>
@@ -1418,7 +1429,7 @@
           <a:p>
             <a:fld id="{7DB540D3-39DB-46E3-9558-C8A50A5C5717}" type="datetimeFigureOut">
               <a:rPr lang="en-US" smtClean="0"/>
-              <a:t>24/09/2024</a:t>
+              <a:t>25/09/2024</a:t>
             </a:fld>
             <a:endParaRPr lang="en-US"/>
           </a:p>
@@ -1830,7 +1841,7 @@
           <a:p>
             <a:fld id="{7DB540D3-39DB-46E3-9558-C8A50A5C5717}" type="datetimeFigureOut">
               <a:rPr lang="en-US" smtClean="0"/>
-              <a:t>24/09/2024</a:t>
+              <a:t>25/09/2024</a:t>
             </a:fld>
             <a:endParaRPr lang="en-US"/>
           </a:p>
@@ -1971,7 +1982,7 @@
           <a:p>
             <a:fld id="{7DB540D3-39DB-46E3-9558-C8A50A5C5717}" type="datetimeFigureOut">
               <a:rPr lang="en-US" smtClean="0"/>
-              <a:t>24/09/2024</a:t>
+              <a:t>25/09/2024</a:t>
             </a:fld>
             <a:endParaRPr lang="en-US"/>
           </a:p>
@@ -2084,7 +2095,7 @@
           <a:p>
             <a:fld id="{7DB540D3-39DB-46E3-9558-C8A50A5C5717}" type="datetimeFigureOut">
               <a:rPr lang="en-US" smtClean="0"/>
-              <a:t>24/09/2024</a:t>
+              <a:t>25/09/2024</a:t>
             </a:fld>
             <a:endParaRPr lang="en-US"/>
           </a:p>
@@ -2395,7 +2406,7 @@
           <a:p>
             <a:fld id="{7DB540D3-39DB-46E3-9558-C8A50A5C5717}" type="datetimeFigureOut">
               <a:rPr lang="en-US" smtClean="0"/>
-              <a:t>24/09/2024</a:t>
+              <a:t>25/09/2024</a:t>
             </a:fld>
             <a:endParaRPr lang="en-US"/>
           </a:p>
@@ -2683,7 +2694,7 @@
           <a:p>
             <a:fld id="{7DB540D3-39DB-46E3-9558-C8A50A5C5717}" type="datetimeFigureOut">
               <a:rPr lang="en-US" smtClean="0"/>
-              <a:t>24/09/2024</a:t>
+              <a:t>25/09/2024</a:t>
             </a:fld>
             <a:endParaRPr lang="en-US"/>
           </a:p>
@@ -2924,7 +2935,7 @@
           <a:p>
             <a:fld id="{7DB540D3-39DB-46E3-9558-C8A50A5C5717}" type="datetimeFigureOut">
               <a:rPr lang="en-US" smtClean="0"/>
-              <a:t>24/09/2024</a:t>
+              <a:t>25/09/2024</a:t>
             </a:fld>
             <a:endParaRPr lang="en-US"/>
           </a:p>
@@ -3452,7 +3463,7 @@
           <p:cNvPr id="2" name="Title 1">
             <a:extLst>
               <a:ext uri="{FF2B5EF4-FFF2-40B4-BE49-F238E27FC236}">
-                <a16:creationId xmlns:a16="http://schemas.microsoft.com/office/drawing/2014/main" id="{61ACFAA8-FA70-4D65-A1EF-90126FE86CFD}"/>
+                <a16:creationId xmlns:a16="http://schemas.microsoft.com/office/drawing/2014/main" id="{03F6BB26-08E0-4908-991C-2BC79E1238FD}"/>
               </a:ext>
             </a:extLst>
           </p:cNvPr>
@@ -3463,7 +3474,12 @@
             <p:ph type="title"/>
           </p:nvPr>
         </p:nvSpPr>
-        <p:spPr/>
+        <p:spPr>
+          <a:xfrm>
+            <a:off x="0" y="0"/>
+            <a:ext cx="11353800" cy="913259"/>
+          </a:xfrm>
+        </p:spPr>
         <p:txBody>
           <a:bodyPr/>
           <a:lstStyle/>
@@ -3477,7 +3493,7 @@
           <p:cNvPr id="3" name="Content Placeholder 2">
             <a:extLst>
               <a:ext uri="{FF2B5EF4-FFF2-40B4-BE49-F238E27FC236}">
-                <a16:creationId xmlns:a16="http://schemas.microsoft.com/office/drawing/2014/main" id="{11B96C22-C3C8-49E0-B864-A06ECCDAFFB9}"/>
+                <a16:creationId xmlns:a16="http://schemas.microsoft.com/office/drawing/2014/main" id="{600C78DE-0702-4DE3-AE9C-86E7F95DE0CE}"/>
               </a:ext>
             </a:extLst>
           </p:cNvPr>
@@ -3488,19 +3504,89 @@
             <p:ph idx="1"/>
           </p:nvPr>
         </p:nvSpPr>
-        <p:spPr/>
-        <p:txBody>
-          <a:bodyPr/>
-          <a:lstStyle/>
-          <a:p>
-            <a:endParaRPr lang="en-US"/>
-          </a:p>
-        </p:txBody>
-      </p:sp>
+        <p:spPr>
+          <a:xfrm>
+            <a:off x="62144" y="3169329"/>
+            <a:ext cx="12038120" cy="470516"/>
+          </a:xfrm>
+        </p:spPr>
+        <p:txBody>
+          <a:bodyPr>
+            <a:normAutofit lnSpcReduction="10000"/>
+          </a:bodyPr>
+          <a:lstStyle/>
+          <a:p>
+            <a:r>
+              <a:rPr lang="en-US"/>
+              <a:t>Cài đặt đồng giá giao hàng từ HƯNG YÊN ĐẾN HCM là 200k</a:t>
+            </a:r>
+          </a:p>
+        </p:txBody>
+      </p:sp>
+      <p:pic>
+        <p:nvPicPr>
+          <p:cNvPr id="4" name="Picture 3">
+            <a:extLst>
+              <a:ext uri="{FF2B5EF4-FFF2-40B4-BE49-F238E27FC236}">
+                <a16:creationId xmlns:a16="http://schemas.microsoft.com/office/drawing/2014/main" id="{77A7187C-C73A-411C-A16E-4A725CFC4630}"/>
+              </a:ext>
+            </a:extLst>
+          </p:cNvPr>
+          <p:cNvPicPr>
+            <a:picLocks noChangeAspect="1"/>
+          </p:cNvPicPr>
+          <p:nvPr/>
+        </p:nvPicPr>
+        <p:blipFill>
+          <a:blip r:embed="rId2"/>
+          <a:stretch>
+            <a:fillRect/>
+          </a:stretch>
+        </p:blipFill>
+        <p:spPr>
+          <a:xfrm>
+            <a:off x="124803" y="130754"/>
+            <a:ext cx="9154803" cy="2743583"/>
+          </a:xfrm>
+          <a:prstGeom prst="rect">
+            <a:avLst/>
+          </a:prstGeom>
+        </p:spPr>
+      </p:pic>
+      <p:pic>
+        <p:nvPicPr>
+          <p:cNvPr id="5" name="Picture 4">
+            <a:extLst>
+              <a:ext uri="{FF2B5EF4-FFF2-40B4-BE49-F238E27FC236}">
+                <a16:creationId xmlns:a16="http://schemas.microsoft.com/office/drawing/2014/main" id="{B6B21EC3-1415-49EB-BC64-29E91A4F75D0}"/>
+              </a:ext>
+            </a:extLst>
+          </p:cNvPr>
+          <p:cNvPicPr>
+            <a:picLocks noChangeAspect="1"/>
+          </p:cNvPicPr>
+          <p:nvPr/>
+        </p:nvPicPr>
+        <p:blipFill>
+          <a:blip r:embed="rId3"/>
+          <a:stretch>
+            <a:fillRect/>
+          </a:stretch>
+        </p:blipFill>
+        <p:spPr>
+          <a:xfrm>
+            <a:off x="213563" y="3758613"/>
+            <a:ext cx="9066043" cy="2968633"/>
+          </a:xfrm>
+          <a:prstGeom prst="rect">
+            <a:avLst/>
+          </a:prstGeom>
+        </p:spPr>
+      </p:pic>
     </p:spTree>
     <p:extLst>
       <p:ext uri="{BB962C8B-B14F-4D97-AF65-F5344CB8AC3E}">
-        <p14:creationId xmlns:p14="http://schemas.microsoft.com/office/powerpoint/2010/main" val="3033658014"/>
+        <p14:creationId xmlns:p14="http://schemas.microsoft.com/office/powerpoint/2010/main" val="2504736343"/>
       </p:ext>
     </p:extLst>
   </p:cSld>
@@ -3527,60 +3613,110 @@
           <a:chExt cx="0" cy="0"/>
         </a:xfrm>
       </p:grpSpPr>
-      <p:sp>
-        <p:nvSpPr>
-          <p:cNvPr id="2" name="Title 1">
-            <a:extLst>
-              <a:ext uri="{FF2B5EF4-FFF2-40B4-BE49-F238E27FC236}">
-                <a16:creationId xmlns:a16="http://schemas.microsoft.com/office/drawing/2014/main" id="{4E6BC935-8FCD-4F34-87E6-D5F264496AB4}"/>
-              </a:ext>
-            </a:extLst>
-          </p:cNvPr>
-          <p:cNvSpPr>
-            <a:spLocks noGrp="1"/>
-          </p:cNvSpPr>
-          <p:nvPr>
-            <p:ph type="title"/>
-          </p:nvPr>
-        </p:nvSpPr>
-        <p:spPr/>
-        <p:txBody>
-          <a:bodyPr/>
-          <a:lstStyle/>
-          <a:p>
-            <a:endParaRPr lang="en-US"/>
-          </a:p>
-        </p:txBody>
-      </p:sp>
-      <p:sp>
-        <p:nvSpPr>
-          <p:cNvPr id="3" name="Content Placeholder 2">
-            <a:extLst>
-              <a:ext uri="{FF2B5EF4-FFF2-40B4-BE49-F238E27FC236}">
-                <a16:creationId xmlns:a16="http://schemas.microsoft.com/office/drawing/2014/main" id="{CCE578A2-DE6C-4000-8909-72FEC258AF2A}"/>
-              </a:ext>
-            </a:extLst>
-          </p:cNvPr>
-          <p:cNvSpPr>
-            <a:spLocks noGrp="1"/>
-          </p:cNvSpPr>
-          <p:nvPr>
-            <p:ph idx="1"/>
-          </p:nvPr>
-        </p:nvSpPr>
-        <p:spPr/>
-        <p:txBody>
-          <a:bodyPr/>
-          <a:lstStyle/>
-          <a:p>
-            <a:endParaRPr lang="en-US"/>
+      <p:pic>
+        <p:nvPicPr>
+          <p:cNvPr id="4" name="Picture 3">
+            <a:extLst>
+              <a:ext uri="{FF2B5EF4-FFF2-40B4-BE49-F238E27FC236}">
+                <a16:creationId xmlns:a16="http://schemas.microsoft.com/office/drawing/2014/main" id="{47EE0CE3-107F-48C6-AD96-572D4E7A1CA2}"/>
+              </a:ext>
+            </a:extLst>
+          </p:cNvPr>
+          <p:cNvPicPr>
+            <a:picLocks noChangeAspect="1"/>
+          </p:cNvPicPr>
+          <p:nvPr/>
+        </p:nvPicPr>
+        <p:blipFill>
+          <a:blip r:embed="rId2"/>
+          <a:stretch>
+            <a:fillRect/>
+          </a:stretch>
+        </p:blipFill>
+        <p:spPr>
+          <a:xfrm>
+            <a:off x="532584" y="2245974"/>
+            <a:ext cx="11256962" cy="2210616"/>
+          </a:xfrm>
+          <a:prstGeom prst="rect">
+            <a:avLst/>
+          </a:prstGeom>
+        </p:spPr>
+      </p:pic>
+      <p:sp>
+        <p:nvSpPr>
+          <p:cNvPr id="5" name="TextBox 4">
+            <a:extLst>
+              <a:ext uri="{FF2B5EF4-FFF2-40B4-BE49-F238E27FC236}">
+                <a16:creationId xmlns:a16="http://schemas.microsoft.com/office/drawing/2014/main" id="{841F81E7-6139-4C43-B457-95ECAE8E9CEC}"/>
+              </a:ext>
+            </a:extLst>
+          </p:cNvPr>
+          <p:cNvSpPr txBox="1"/>
+          <p:nvPr/>
+        </p:nvSpPr>
+        <p:spPr>
+          <a:xfrm>
+            <a:off x="532584" y="292963"/>
+            <a:ext cx="3497878" cy="369332"/>
+          </a:xfrm>
+          <a:prstGeom prst="rect">
+            <a:avLst/>
+          </a:prstGeom>
+          <a:noFill/>
+        </p:spPr>
+        <p:txBody>
+          <a:bodyPr wrap="square" rtlCol="0">
+            <a:spAutoFit/>
+          </a:bodyPr>
+          <a:lstStyle/>
+          <a:p>
+            <a:r>
+              <a:rPr lang="en-US"/>
+              <a:t>SetUp loại hình giao hàng:</a:t>
+            </a:r>
+          </a:p>
+        </p:txBody>
+      </p:sp>
+      <p:sp>
+        <p:nvSpPr>
+          <p:cNvPr id="6" name="TextBox 5">
+            <a:extLst>
+              <a:ext uri="{FF2B5EF4-FFF2-40B4-BE49-F238E27FC236}">
+                <a16:creationId xmlns:a16="http://schemas.microsoft.com/office/drawing/2014/main" id="{077457E9-7844-4042-888D-8E622C317BFB}"/>
+              </a:ext>
+            </a:extLst>
+          </p:cNvPr>
+          <p:cNvSpPr txBox="1"/>
+          <p:nvPr/>
+        </p:nvSpPr>
+        <p:spPr>
+          <a:xfrm>
+            <a:off x="532584" y="1029810"/>
+            <a:ext cx="6880270" cy="369332"/>
+          </a:xfrm>
+          <a:prstGeom prst="rect">
+            <a:avLst/>
+          </a:prstGeom>
+          <a:noFill/>
+        </p:spPr>
+        <p:txBody>
+          <a:bodyPr wrap="square" rtlCol="0">
+            <a:spAutoFit/>
+          </a:bodyPr>
+          <a:lstStyle/>
+          <a:p>
+            <a:r>
+              <a:rPr lang="en-US"/>
+              <a:t>SetUp giao hàng tiết kiệm, giao hàng nhanh hay Grab,</a:t>
+            </a:r>
           </a:p>
         </p:txBody>
       </p:sp>
     </p:spTree>
     <p:extLst>
       <p:ext uri="{BB962C8B-B14F-4D97-AF65-F5344CB8AC3E}">
-        <p14:creationId xmlns:p14="http://schemas.microsoft.com/office/powerpoint/2010/main" val="3435849864"/>
+        <p14:creationId xmlns:p14="http://schemas.microsoft.com/office/powerpoint/2010/main" val="3033658014"/>
       </p:ext>
     </p:extLst>
   </p:cSld>
@@ -3612,7 +3748,7 @@
           <p:cNvPr id="2" name="Title 1">
             <a:extLst>
               <a:ext uri="{FF2B5EF4-FFF2-40B4-BE49-F238E27FC236}">
-                <a16:creationId xmlns:a16="http://schemas.microsoft.com/office/drawing/2014/main" id="{F2226DF2-B5F0-45E5-B2B2-ED52F47CED21}"/>
+                <a16:creationId xmlns:a16="http://schemas.microsoft.com/office/drawing/2014/main" id="{4E6BC935-8FCD-4F34-87E6-D5F264496AB4}"/>
               </a:ext>
             </a:extLst>
           </p:cNvPr>
@@ -3623,44 +3759,185 @@
             <p:ph type="title"/>
           </p:nvPr>
         </p:nvSpPr>
-        <p:spPr/>
-        <p:txBody>
-          <a:bodyPr/>
-          <a:lstStyle/>
-          <a:p>
+        <p:spPr>
+          <a:xfrm>
+            <a:off x="124286" y="25848"/>
+            <a:ext cx="11229513" cy="753461"/>
+          </a:xfrm>
+        </p:spPr>
+        <p:txBody>
+          <a:bodyPr/>
+          <a:lstStyle/>
+          <a:p>
+            <a:r>
+              <a:rPr lang="en-US"/>
+              <a:t>4) Cài đặt ph</a:t>
+            </a:r>
+            <a:r>
+              <a:rPr lang="vi-VN"/>
+              <a:t>ư</a:t>
+            </a:r>
+            <a:r>
+              <a:rPr lang="en-US"/>
+              <a:t>ơng thức thanh toán.</a:t>
+            </a:r>
+          </a:p>
+        </p:txBody>
+      </p:sp>
+      <p:pic>
+        <p:nvPicPr>
+          <p:cNvPr id="4" name="Picture 3">
+            <a:extLst>
+              <a:ext uri="{FF2B5EF4-FFF2-40B4-BE49-F238E27FC236}">
+                <a16:creationId xmlns:a16="http://schemas.microsoft.com/office/drawing/2014/main" id="{A3884A63-A837-44BF-AE07-559FEE3E8B51}"/>
+              </a:ext>
+            </a:extLst>
+          </p:cNvPr>
+          <p:cNvPicPr>
+            <a:picLocks noChangeAspect="1"/>
+          </p:cNvPicPr>
+          <p:nvPr/>
+        </p:nvPicPr>
+        <p:blipFill>
+          <a:blip r:embed="rId2"/>
+          <a:stretch>
+            <a:fillRect/>
+          </a:stretch>
+        </p:blipFill>
+        <p:spPr>
+          <a:xfrm>
+            <a:off x="449741" y="779309"/>
+            <a:ext cx="10993575" cy="4105968"/>
+          </a:xfrm>
+          <a:prstGeom prst="rect">
+            <a:avLst/>
+          </a:prstGeom>
+        </p:spPr>
+      </p:pic>
+      <p:sp>
+        <p:nvSpPr>
+          <p:cNvPr id="5" name="Rectangle 4">
+            <a:extLst>
+              <a:ext uri="{FF2B5EF4-FFF2-40B4-BE49-F238E27FC236}">
+                <a16:creationId xmlns:a16="http://schemas.microsoft.com/office/drawing/2014/main" id="{47091822-6BFE-4FE3-84FF-436088A7E272}"/>
+              </a:ext>
+            </a:extLst>
+          </p:cNvPr>
+          <p:cNvSpPr/>
+          <p:nvPr/>
+        </p:nvSpPr>
+        <p:spPr>
+          <a:xfrm>
+            <a:off x="2938508" y="749155"/>
+            <a:ext cx="1003177" cy="439490"/>
+          </a:xfrm>
+          <a:prstGeom prst="rect">
+            <a:avLst/>
+          </a:prstGeom>
+          <a:noFill/>
+        </p:spPr>
+        <p:style>
+          <a:lnRef idx="2">
+            <a:schemeClr val="accent2">
+              <a:shade val="50000"/>
+            </a:schemeClr>
+          </a:lnRef>
+          <a:fillRef idx="1">
+            <a:schemeClr val="accent2"/>
+          </a:fillRef>
+          <a:effectRef idx="0">
+            <a:schemeClr val="accent2"/>
+          </a:effectRef>
+          <a:fontRef idx="minor">
+            <a:schemeClr val="lt1"/>
+          </a:fontRef>
+        </p:style>
+        <p:txBody>
+          <a:bodyPr rtlCol="0" anchor="ctr"/>
+          <a:lstStyle/>
+          <a:p>
+            <a:pPr algn="ctr"/>
             <a:endParaRPr lang="en-US"/>
           </a:p>
         </p:txBody>
       </p:sp>
       <p:sp>
         <p:nvSpPr>
-          <p:cNvPr id="3" name="Content Placeholder 2">
-            <a:extLst>
-              <a:ext uri="{FF2B5EF4-FFF2-40B4-BE49-F238E27FC236}">
-                <a16:creationId xmlns:a16="http://schemas.microsoft.com/office/drawing/2014/main" id="{6A3E1DF5-C9C0-4B51-9D60-827501463A3A}"/>
-              </a:ext>
-            </a:extLst>
-          </p:cNvPr>
-          <p:cNvSpPr>
-            <a:spLocks noGrp="1"/>
-          </p:cNvSpPr>
-          <p:nvPr>
-            <p:ph idx="1"/>
-          </p:nvPr>
-        </p:nvSpPr>
-        <p:spPr/>
-        <p:txBody>
-          <a:bodyPr/>
-          <a:lstStyle/>
-          <a:p>
-            <a:endParaRPr lang="en-US"/>
-          </a:p>
-        </p:txBody>
-      </p:sp>
+          <p:cNvPr id="6" name="TextBox 5">
+            <a:extLst>
+              <a:ext uri="{FF2B5EF4-FFF2-40B4-BE49-F238E27FC236}">
+                <a16:creationId xmlns:a16="http://schemas.microsoft.com/office/drawing/2014/main" id="{ABC51AB3-A21E-4F84-B5F0-29BEA2B0D3C1}"/>
+              </a:ext>
+            </a:extLst>
+          </p:cNvPr>
+          <p:cNvSpPr txBox="1"/>
+          <p:nvPr/>
+        </p:nvSpPr>
+        <p:spPr>
+          <a:xfrm>
+            <a:off x="449741" y="5025817"/>
+            <a:ext cx="4527611" cy="369332"/>
+          </a:xfrm>
+          <a:prstGeom prst="rect">
+            <a:avLst/>
+          </a:prstGeom>
+          <a:noFill/>
+        </p:spPr>
+        <p:txBody>
+          <a:bodyPr wrap="square" rtlCol="0">
+            <a:spAutoFit/>
+          </a:bodyPr>
+          <a:lstStyle/>
+          <a:p>
+            <a:r>
+              <a:rPr lang="en-US"/>
+              <a:t>Cài đặt ph</a:t>
+            </a:r>
+            <a:r>
+              <a:rPr lang="vi-VN"/>
+              <a:t>ư</a:t>
+            </a:r>
+            <a:r>
+              <a:rPr lang="en-US"/>
+              <a:t>ơng thức thanh toán qua MoMo</a:t>
+            </a:r>
+          </a:p>
+        </p:txBody>
+      </p:sp>
+      <p:pic>
+        <p:nvPicPr>
+          <p:cNvPr id="7" name="Picture 6">
+            <a:extLst>
+              <a:ext uri="{FF2B5EF4-FFF2-40B4-BE49-F238E27FC236}">
+                <a16:creationId xmlns:a16="http://schemas.microsoft.com/office/drawing/2014/main" id="{DFD6C818-710B-48D6-B29E-B9236D920CC3}"/>
+              </a:ext>
+            </a:extLst>
+          </p:cNvPr>
+          <p:cNvPicPr>
+            <a:picLocks noChangeAspect="1"/>
+          </p:cNvPicPr>
+          <p:nvPr/>
+        </p:nvPicPr>
+        <p:blipFill>
+          <a:blip r:embed="rId3"/>
+          <a:stretch>
+            <a:fillRect/>
+          </a:stretch>
+        </p:blipFill>
+        <p:spPr>
+          <a:xfrm>
+            <a:off x="449741" y="5535690"/>
+            <a:ext cx="10993575" cy="669801"/>
+          </a:xfrm>
+          <a:prstGeom prst="rect">
+            <a:avLst/>
+          </a:prstGeom>
+        </p:spPr>
+      </p:pic>
     </p:spTree>
     <p:extLst>
       <p:ext uri="{BB962C8B-B14F-4D97-AF65-F5344CB8AC3E}">
-        <p14:creationId xmlns:p14="http://schemas.microsoft.com/office/powerpoint/2010/main" val="2672539666"/>
+        <p14:creationId xmlns:p14="http://schemas.microsoft.com/office/powerpoint/2010/main" val="3435849864"/>
       </p:ext>
     </p:extLst>
   </p:cSld>
@@ -3692,7 +3969,7 @@
           <p:cNvPr id="2" name="Title 1">
             <a:extLst>
               <a:ext uri="{FF2B5EF4-FFF2-40B4-BE49-F238E27FC236}">
-                <a16:creationId xmlns:a16="http://schemas.microsoft.com/office/drawing/2014/main" id="{24920C37-D266-4B44-916D-8A3BFAB8EE8C}"/>
+                <a16:creationId xmlns:a16="http://schemas.microsoft.com/office/drawing/2014/main" id="{F2226DF2-B5F0-45E5-B2B2-ED52F47CED21}"/>
               </a:ext>
             </a:extLst>
           </p:cNvPr>
@@ -3703,7 +3980,45 @@
             <p:ph type="title"/>
           </p:nvPr>
         </p:nvSpPr>
-        <p:spPr/>
+        <p:spPr>
+          <a:xfrm>
+            <a:off x="0" y="106532"/>
+            <a:ext cx="11353800" cy="833360"/>
+          </a:xfrm>
+        </p:spPr>
+        <p:txBody>
+          <a:bodyPr/>
+          <a:lstStyle/>
+          <a:p>
+            <a:r>
+              <a:rPr lang="en-US"/>
+              <a:t>5)Cài đặt tài khoản và bảo mật kho khách hàng:</a:t>
+            </a:r>
+          </a:p>
+        </p:txBody>
+      </p:sp>
+      <p:sp>
+        <p:nvSpPr>
+          <p:cNvPr id="3" name="Content Placeholder 2">
+            <a:extLst>
+              <a:ext uri="{FF2B5EF4-FFF2-40B4-BE49-F238E27FC236}">
+                <a16:creationId xmlns:a16="http://schemas.microsoft.com/office/drawing/2014/main" id="{6A3E1DF5-C9C0-4B51-9D60-827501463A3A}"/>
+              </a:ext>
+            </a:extLst>
+          </p:cNvPr>
+          <p:cNvSpPr>
+            <a:spLocks noGrp="1"/>
+          </p:cNvSpPr>
+          <p:nvPr>
+            <p:ph idx="1"/>
+          </p:nvPr>
+        </p:nvSpPr>
+        <p:spPr>
+          <a:xfrm>
+            <a:off x="0" y="1207362"/>
+            <a:ext cx="12192000" cy="5650637"/>
+          </a:xfrm>
+        </p:spPr>
         <p:txBody>
           <a:bodyPr/>
           <a:lstStyle/>
@@ -3712,35 +4027,40 @@
           </a:p>
         </p:txBody>
       </p:sp>
-      <p:sp>
-        <p:nvSpPr>
-          <p:cNvPr id="3" name="Content Placeholder 2">
-            <a:extLst>
-              <a:ext uri="{FF2B5EF4-FFF2-40B4-BE49-F238E27FC236}">
-                <a16:creationId xmlns:a16="http://schemas.microsoft.com/office/drawing/2014/main" id="{DD9BB5BF-F337-44CB-A5EC-9FBA64FF0B2E}"/>
-              </a:ext>
-            </a:extLst>
-          </p:cNvPr>
-          <p:cNvSpPr>
-            <a:spLocks noGrp="1"/>
-          </p:cNvSpPr>
-          <p:nvPr>
-            <p:ph idx="1"/>
-          </p:nvPr>
-        </p:nvSpPr>
-        <p:spPr/>
-        <p:txBody>
-          <a:bodyPr/>
-          <a:lstStyle/>
-          <a:p>
-            <a:endParaRPr lang="en-US"/>
-          </a:p>
-        </p:txBody>
-      </p:sp>
+      <p:pic>
+        <p:nvPicPr>
+          <p:cNvPr id="4" name="Picture 3">
+            <a:extLst>
+              <a:ext uri="{FF2B5EF4-FFF2-40B4-BE49-F238E27FC236}">
+                <a16:creationId xmlns:a16="http://schemas.microsoft.com/office/drawing/2014/main" id="{CE5D6684-B031-4909-9FED-10A486D8F931}"/>
+              </a:ext>
+            </a:extLst>
+          </p:cNvPr>
+          <p:cNvPicPr>
+            <a:picLocks noChangeAspect="1"/>
+          </p:cNvPicPr>
+          <p:nvPr/>
+        </p:nvPicPr>
+        <p:blipFill>
+          <a:blip r:embed="rId2"/>
+          <a:stretch>
+            <a:fillRect/>
+          </a:stretch>
+        </p:blipFill>
+        <p:spPr>
+          <a:xfrm>
+            <a:off x="83252" y="1207362"/>
+            <a:ext cx="9273812" cy="5344358"/>
+          </a:xfrm>
+          <a:prstGeom prst="rect">
+            <a:avLst/>
+          </a:prstGeom>
+        </p:spPr>
+      </p:pic>
     </p:spTree>
     <p:extLst>
       <p:ext uri="{BB962C8B-B14F-4D97-AF65-F5344CB8AC3E}">
-        <p14:creationId xmlns:p14="http://schemas.microsoft.com/office/powerpoint/2010/main" val="2201678540"/>
+        <p14:creationId xmlns:p14="http://schemas.microsoft.com/office/powerpoint/2010/main" val="2672539666"/>
       </p:ext>
     </p:extLst>
   </p:cSld>
@@ -3772,7 +4092,7 @@
           <p:cNvPr id="2" name="Title 1">
             <a:extLst>
               <a:ext uri="{FF2B5EF4-FFF2-40B4-BE49-F238E27FC236}">
-                <a16:creationId xmlns:a16="http://schemas.microsoft.com/office/drawing/2014/main" id="{C05FE812-CF4C-484C-93D4-B323D9790334}"/>
+                <a16:creationId xmlns:a16="http://schemas.microsoft.com/office/drawing/2014/main" id="{4EEFB2AA-E8B3-40E8-8E85-E667169B7F33}"/>
               </a:ext>
             </a:extLst>
           </p:cNvPr>
@@ -3783,44 +4103,126 @@
             <p:ph type="title"/>
           </p:nvPr>
         </p:nvSpPr>
-        <p:spPr/>
-        <p:txBody>
-          <a:bodyPr/>
-          <a:lstStyle/>
-          <a:p>
-            <a:endParaRPr lang="en-US"/>
-          </a:p>
-        </p:txBody>
-      </p:sp>
-      <p:sp>
-        <p:nvSpPr>
-          <p:cNvPr id="3" name="Content Placeholder 2">
-            <a:extLst>
-              <a:ext uri="{FF2B5EF4-FFF2-40B4-BE49-F238E27FC236}">
-                <a16:creationId xmlns:a16="http://schemas.microsoft.com/office/drawing/2014/main" id="{93B5DDA0-72F7-4BC9-9537-21232027683F}"/>
-              </a:ext>
-            </a:extLst>
-          </p:cNvPr>
-          <p:cNvSpPr>
-            <a:spLocks noGrp="1"/>
-          </p:cNvSpPr>
+        <p:spPr>
+          <a:xfrm>
+            <a:off x="0" y="0"/>
+            <a:ext cx="12192000" cy="681037"/>
+          </a:xfrm>
+        </p:spPr>
+        <p:txBody>
+          <a:bodyPr>
+            <a:normAutofit fontScale="90000"/>
+          </a:bodyPr>
+          <a:lstStyle/>
+          <a:p>
+            <a:r>
+              <a:rPr lang="en-US"/>
+              <a:t>6) Cài đặt Email:</a:t>
+            </a:r>
+          </a:p>
+        </p:txBody>
+      </p:sp>
+      <p:pic>
+        <p:nvPicPr>
+          <p:cNvPr id="4" name="Content Placeholder 3">
+            <a:extLst>
+              <a:ext uri="{FF2B5EF4-FFF2-40B4-BE49-F238E27FC236}">
+                <a16:creationId xmlns:a16="http://schemas.microsoft.com/office/drawing/2014/main" id="{C709AA8D-8762-4F0A-B931-5147ED693084}"/>
+              </a:ext>
+            </a:extLst>
+          </p:cNvPr>
+          <p:cNvPicPr>
+            <a:picLocks noGrp="1" noChangeAspect="1"/>
+          </p:cNvPicPr>
           <p:nvPr>
             <p:ph idx="1"/>
           </p:nvPr>
-        </p:nvSpPr>
-        <p:spPr/>
-        <p:txBody>
-          <a:bodyPr/>
-          <a:lstStyle/>
-          <a:p>
-            <a:endParaRPr lang="en-US"/>
-          </a:p>
-        </p:txBody>
-      </p:sp>
+        </p:nvPicPr>
+        <p:blipFill>
+          <a:blip r:embed="rId2"/>
+          <a:stretch>
+            <a:fillRect/>
+          </a:stretch>
+        </p:blipFill>
+        <p:spPr>
+          <a:xfrm>
+            <a:off x="333175" y="766323"/>
+            <a:ext cx="4638319" cy="3281894"/>
+          </a:xfrm>
+          <a:prstGeom prst="rect">
+            <a:avLst/>
+          </a:prstGeom>
+        </p:spPr>
+      </p:pic>
+      <p:sp>
+        <p:nvSpPr>
+          <p:cNvPr id="5" name="TextBox 4">
+            <a:extLst>
+              <a:ext uri="{FF2B5EF4-FFF2-40B4-BE49-F238E27FC236}">
+                <a16:creationId xmlns:a16="http://schemas.microsoft.com/office/drawing/2014/main" id="{B3784930-EBC2-4C8B-ACF2-7067185E9BC0}"/>
+              </a:ext>
+            </a:extLst>
+          </p:cNvPr>
+          <p:cNvSpPr txBox="1"/>
+          <p:nvPr/>
+        </p:nvSpPr>
+        <p:spPr>
+          <a:xfrm>
+            <a:off x="790113" y="4900474"/>
+            <a:ext cx="5305887" cy="369332"/>
+          </a:xfrm>
+          <a:prstGeom prst="rect">
+            <a:avLst/>
+          </a:prstGeom>
+          <a:noFill/>
+        </p:spPr>
+        <p:txBody>
+          <a:bodyPr wrap="square" rtlCol="0">
+            <a:spAutoFit/>
+          </a:bodyPr>
+          <a:lstStyle/>
+          <a:p>
+            <a:r>
+              <a:rPr lang="en-US"/>
+              <a:t>Tùy biến trang gửi Mail sản phẩm.</a:t>
+            </a:r>
+          </a:p>
+        </p:txBody>
+      </p:sp>
+      <p:pic>
+        <p:nvPicPr>
+          <p:cNvPr id="6" name="Picture 5">
+            <a:extLst>
+              <a:ext uri="{FF2B5EF4-FFF2-40B4-BE49-F238E27FC236}">
+                <a16:creationId xmlns:a16="http://schemas.microsoft.com/office/drawing/2014/main" id="{DF2DB7C7-C045-42C2-84AF-BC37F34AF8C5}"/>
+              </a:ext>
+            </a:extLst>
+          </p:cNvPr>
+          <p:cNvPicPr>
+            <a:picLocks noChangeAspect="1"/>
+          </p:cNvPicPr>
+          <p:nvPr/>
+        </p:nvPicPr>
+        <p:blipFill>
+          <a:blip r:embed="rId3"/>
+          <a:stretch>
+            <a:fillRect/>
+          </a:stretch>
+        </p:blipFill>
+        <p:spPr>
+          <a:xfrm>
+            <a:off x="5532655" y="2612813"/>
+            <a:ext cx="5725324" cy="2591162"/>
+          </a:xfrm>
+          <a:prstGeom prst="rect">
+            <a:avLst/>
+          </a:prstGeom>
+        </p:spPr>
+      </p:pic>
     </p:spTree>
     <p:extLst>
       <p:ext uri="{BB962C8B-B14F-4D97-AF65-F5344CB8AC3E}">
-        <p14:creationId xmlns:p14="http://schemas.microsoft.com/office/powerpoint/2010/main" val="4227301076"/>
+        <p14:creationId xmlns:p14="http://schemas.microsoft.com/office/powerpoint/2010/main" val="3389878625"/>
       </p:ext>
     </p:extLst>
   </p:cSld>
@@ -3852,7 +4254,7 @@
           <p:cNvPr id="2" name="Title 1">
             <a:extLst>
               <a:ext uri="{FF2B5EF4-FFF2-40B4-BE49-F238E27FC236}">
-                <a16:creationId xmlns:a16="http://schemas.microsoft.com/office/drawing/2014/main" id="{91439A76-0DE4-494F-807F-47E6E70BB8AB}"/>
+                <a16:creationId xmlns:a16="http://schemas.microsoft.com/office/drawing/2014/main" id="{C62E361B-33B0-4DAB-BFC2-1B96861074F6}"/>
               </a:ext>
             </a:extLst>
           </p:cNvPr>
@@ -3863,44 +4265,57 @@
             <p:ph type="title"/>
           </p:nvPr>
         </p:nvSpPr>
-        <p:spPr/>
-        <p:txBody>
-          <a:bodyPr/>
-          <a:lstStyle/>
-          <a:p>
-            <a:endParaRPr lang="en-US"/>
-          </a:p>
-        </p:txBody>
-      </p:sp>
-      <p:sp>
-        <p:nvSpPr>
-          <p:cNvPr id="3" name="Content Placeholder 2">
-            <a:extLst>
-              <a:ext uri="{FF2B5EF4-FFF2-40B4-BE49-F238E27FC236}">
-                <a16:creationId xmlns:a16="http://schemas.microsoft.com/office/drawing/2014/main" id="{64AC9B41-8B8F-4A4B-A615-9D62B0B42FF9}"/>
-              </a:ext>
-            </a:extLst>
-          </p:cNvPr>
-          <p:cNvSpPr>
-            <a:spLocks noGrp="1"/>
-          </p:cNvSpPr>
-          <p:nvPr>
-            <p:ph idx="1"/>
-          </p:nvPr>
-        </p:nvSpPr>
-        <p:spPr/>
-        <p:txBody>
-          <a:bodyPr/>
-          <a:lstStyle/>
-          <a:p>
-            <a:endParaRPr lang="en-US"/>
-          </a:p>
-        </p:txBody>
-      </p:sp>
+        <p:spPr>
+          <a:xfrm>
+            <a:off x="435007" y="471659"/>
+            <a:ext cx="10484528" cy="993158"/>
+          </a:xfrm>
+        </p:spPr>
+        <p:txBody>
+          <a:bodyPr/>
+          <a:lstStyle/>
+          <a:p>
+            <a:r>
+              <a:rPr lang="en-US"/>
+              <a:t>Hoàn thành phần cài đặt của WooCommerce</a:t>
+            </a:r>
+          </a:p>
+        </p:txBody>
+      </p:sp>
+      <p:pic>
+        <p:nvPicPr>
+          <p:cNvPr id="4" name="Picture 3">
+            <a:extLst>
+              <a:ext uri="{FF2B5EF4-FFF2-40B4-BE49-F238E27FC236}">
+                <a16:creationId xmlns:a16="http://schemas.microsoft.com/office/drawing/2014/main" id="{0F5A7F3D-DE4C-4EB8-8D28-6B8656AF6DA1}"/>
+              </a:ext>
+            </a:extLst>
+          </p:cNvPr>
+          <p:cNvPicPr>
+            <a:picLocks noChangeAspect="1"/>
+          </p:cNvPicPr>
+          <p:nvPr/>
+        </p:nvPicPr>
+        <p:blipFill>
+          <a:blip r:embed="rId2"/>
+          <a:stretch>
+            <a:fillRect/>
+          </a:stretch>
+        </p:blipFill>
+        <p:spPr>
+          <a:xfrm>
+            <a:off x="657020" y="1736848"/>
+            <a:ext cx="8907118" cy="1762371"/>
+          </a:xfrm>
+          <a:prstGeom prst="rect">
+            <a:avLst/>
+          </a:prstGeom>
+        </p:spPr>
+      </p:pic>
     </p:spTree>
     <p:extLst>
       <p:ext uri="{BB962C8B-B14F-4D97-AF65-F5344CB8AC3E}">
-        <p14:creationId xmlns:p14="http://schemas.microsoft.com/office/powerpoint/2010/main" val="1726835823"/>
+        <p14:creationId xmlns:p14="http://schemas.microsoft.com/office/powerpoint/2010/main" val="153012820"/>
       </p:ext>
     </p:extLst>
   </p:cSld>
@@ -3932,7 +4347,7 @@
           <p:cNvPr id="2" name="Title 1">
             <a:extLst>
               <a:ext uri="{FF2B5EF4-FFF2-40B4-BE49-F238E27FC236}">
-                <a16:creationId xmlns:a16="http://schemas.microsoft.com/office/drawing/2014/main" id="{216578A7-AE26-4B68-80AC-0560FC2348DD}"/>
+                <a16:creationId xmlns:a16="http://schemas.microsoft.com/office/drawing/2014/main" id="{A3AF1B42-F275-407B-8CA9-3E6444C92029}"/>
               </a:ext>
             </a:extLst>
           </p:cNvPr>
@@ -3943,44 +4358,524 @@
             <p:ph type="title"/>
           </p:nvPr>
         </p:nvSpPr>
-        <p:spPr/>
-        <p:txBody>
-          <a:bodyPr/>
-          <a:lstStyle/>
-          <a:p>
-            <a:endParaRPr lang="en-US"/>
-          </a:p>
-        </p:txBody>
-      </p:sp>
-      <p:sp>
-        <p:nvSpPr>
-          <p:cNvPr id="3" name="Content Placeholder 2">
-            <a:extLst>
-              <a:ext uri="{FF2B5EF4-FFF2-40B4-BE49-F238E27FC236}">
-                <a16:creationId xmlns:a16="http://schemas.microsoft.com/office/drawing/2014/main" id="{8CD6F1B0-0965-4222-A47E-3E395C7241F0}"/>
-              </a:ext>
-            </a:extLst>
-          </p:cNvPr>
-          <p:cNvSpPr>
-            <a:spLocks noGrp="1"/>
-          </p:cNvSpPr>
+        <p:spPr>
+          <a:xfrm>
+            <a:off x="0" y="0"/>
+            <a:ext cx="11353800" cy="1325563"/>
+          </a:xfrm>
+        </p:spPr>
+        <p:txBody>
+          <a:bodyPr/>
+          <a:lstStyle/>
+          <a:p>
+            <a:r>
+              <a:rPr lang="en-US"/>
+              <a:t>B</a:t>
+            </a:r>
+            <a:r>
+              <a:rPr lang="vi-VN"/>
+              <a:t>ư</a:t>
+            </a:r>
+            <a:r>
+              <a:rPr lang="en-US"/>
+              <a:t>ớc 2: Tạo trang web bán hàng, tạo sản phẩm</a:t>
+            </a:r>
+          </a:p>
+        </p:txBody>
+      </p:sp>
+      <p:pic>
+        <p:nvPicPr>
+          <p:cNvPr id="4" name="Content Placeholder 3">
+            <a:extLst>
+              <a:ext uri="{FF2B5EF4-FFF2-40B4-BE49-F238E27FC236}">
+                <a16:creationId xmlns:a16="http://schemas.microsoft.com/office/drawing/2014/main" id="{1914E9DF-5371-4E45-9626-B7C3A9972082}"/>
+              </a:ext>
+            </a:extLst>
+          </p:cNvPr>
+          <p:cNvPicPr>
+            <a:picLocks noGrp="1" noChangeAspect="1"/>
+          </p:cNvPicPr>
           <p:nvPr>
             <p:ph idx="1"/>
           </p:nvPr>
-        </p:nvSpPr>
-        <p:spPr/>
-        <p:txBody>
-          <a:bodyPr/>
-          <a:lstStyle/>
-          <a:p>
-            <a:endParaRPr lang="en-US"/>
+        </p:nvPicPr>
+        <p:blipFill>
+          <a:blip r:embed="rId2"/>
+          <a:stretch>
+            <a:fillRect/>
+          </a:stretch>
+        </p:blipFill>
+        <p:spPr>
+          <a:xfrm>
+            <a:off x="237392" y="1325563"/>
+            <a:ext cx="4544059" cy="4972744"/>
+          </a:xfrm>
+          <a:prstGeom prst="rect">
+            <a:avLst/>
+          </a:prstGeom>
+        </p:spPr>
+      </p:pic>
+      <p:sp>
+        <p:nvSpPr>
+          <p:cNvPr id="5" name="TextBox 4">
+            <a:extLst>
+              <a:ext uri="{FF2B5EF4-FFF2-40B4-BE49-F238E27FC236}">
+                <a16:creationId xmlns:a16="http://schemas.microsoft.com/office/drawing/2014/main" id="{CC3A2F94-319F-4391-80A9-0918C6F5832E}"/>
+              </a:ext>
+            </a:extLst>
+          </p:cNvPr>
+          <p:cNvSpPr txBox="1"/>
+          <p:nvPr/>
+        </p:nvSpPr>
+        <p:spPr>
+          <a:xfrm>
+            <a:off x="5566298" y="1429304"/>
+            <a:ext cx="1979721" cy="369332"/>
+          </a:xfrm>
+          <a:prstGeom prst="rect">
+            <a:avLst/>
+          </a:prstGeom>
+          <a:noFill/>
+        </p:spPr>
+        <p:txBody>
+          <a:bodyPr wrap="square" rtlCol="0">
+            <a:spAutoFit/>
+          </a:bodyPr>
+          <a:lstStyle/>
+          <a:p>
+            <a:r>
+              <a:rPr lang="en-US"/>
+              <a:t>Đây là mô tả dài.</a:t>
+            </a:r>
+          </a:p>
+        </p:txBody>
+      </p:sp>
+      <p:sp>
+        <p:nvSpPr>
+          <p:cNvPr id="6" name="TextBox 5">
+            <a:extLst>
+              <a:ext uri="{FF2B5EF4-FFF2-40B4-BE49-F238E27FC236}">
+                <a16:creationId xmlns:a16="http://schemas.microsoft.com/office/drawing/2014/main" id="{D44D9CBD-DF5B-4329-9EB7-FE983910145D}"/>
+              </a:ext>
+            </a:extLst>
+          </p:cNvPr>
+          <p:cNvSpPr txBox="1"/>
+          <p:nvPr/>
+        </p:nvSpPr>
+        <p:spPr>
+          <a:xfrm>
+            <a:off x="5459767" y="2503503"/>
+            <a:ext cx="6054571" cy="369332"/>
+          </a:xfrm>
+          <a:prstGeom prst="rect">
+            <a:avLst/>
+          </a:prstGeom>
+          <a:noFill/>
+        </p:spPr>
+        <p:txBody>
+          <a:bodyPr wrap="square" rtlCol="0">
+            <a:spAutoFit/>
+          </a:bodyPr>
+          <a:lstStyle/>
+          <a:p>
+            <a:r>
+              <a:rPr lang="en-US"/>
+              <a:t>Chèn hình ảnh, </a:t>
+            </a:r>
+          </a:p>
+        </p:txBody>
+      </p:sp>
+      <p:pic>
+        <p:nvPicPr>
+          <p:cNvPr id="7" name="Picture 6">
+            <a:extLst>
+              <a:ext uri="{FF2B5EF4-FFF2-40B4-BE49-F238E27FC236}">
+                <a16:creationId xmlns:a16="http://schemas.microsoft.com/office/drawing/2014/main" id="{16FABDAD-D415-4DCD-A7A1-E01318DC2CDB}"/>
+              </a:ext>
+            </a:extLst>
+          </p:cNvPr>
+          <p:cNvPicPr>
+            <a:picLocks noChangeAspect="1"/>
+          </p:cNvPicPr>
+          <p:nvPr/>
+        </p:nvPicPr>
+        <p:blipFill>
+          <a:blip r:embed="rId3"/>
+          <a:stretch>
+            <a:fillRect/>
+          </a:stretch>
+        </p:blipFill>
+        <p:spPr>
+          <a:xfrm>
+            <a:off x="5566298" y="3233690"/>
+            <a:ext cx="6054571" cy="962159"/>
+          </a:xfrm>
+          <a:prstGeom prst="rect">
+            <a:avLst/>
+          </a:prstGeom>
+        </p:spPr>
+      </p:pic>
+      <p:sp>
+        <p:nvSpPr>
+          <p:cNvPr id="8" name="TextBox 7">
+            <a:extLst>
+              <a:ext uri="{FF2B5EF4-FFF2-40B4-BE49-F238E27FC236}">
+                <a16:creationId xmlns:a16="http://schemas.microsoft.com/office/drawing/2014/main" id="{1633736D-7E1D-4443-A722-489270FFD1A2}"/>
+              </a:ext>
+            </a:extLst>
+          </p:cNvPr>
+          <p:cNvSpPr txBox="1"/>
+          <p:nvPr/>
+        </p:nvSpPr>
+        <p:spPr>
+          <a:xfrm>
+            <a:off x="5676900" y="4554245"/>
+            <a:ext cx="6183667" cy="369332"/>
+          </a:xfrm>
+          <a:prstGeom prst="rect">
+            <a:avLst/>
+          </a:prstGeom>
+          <a:noFill/>
+        </p:spPr>
+        <p:txBody>
+          <a:bodyPr wrap="square" rtlCol="0">
+            <a:spAutoFit/>
+          </a:bodyPr>
+          <a:lstStyle/>
+          <a:p>
+            <a:r>
+              <a:rPr lang="en-US"/>
+              <a:t>Page Link Video vào thì mặc định sẽ Ren thành Video luôn.</a:t>
+            </a:r>
           </a:p>
         </p:txBody>
       </p:sp>
     </p:spTree>
     <p:extLst>
       <p:ext uri="{BB962C8B-B14F-4D97-AF65-F5344CB8AC3E}">
-        <p14:creationId xmlns:p14="http://schemas.microsoft.com/office/powerpoint/2010/main" val="934823576"/>
+        <p14:creationId xmlns:p14="http://schemas.microsoft.com/office/powerpoint/2010/main" val="2113154016"/>
+      </p:ext>
+    </p:extLst>
+  </p:cSld>
+  <p:clrMapOvr>
+    <a:masterClrMapping/>
+  </p:clrMapOvr>
+</p:sld>
+</file>
+
+<file path=ppt/slides/slide17.xml><?xml version="1.0" encoding="utf-8"?>
+<p:sld xmlns:a="http://schemas.openxmlformats.org/drawingml/2006/main" xmlns:r="http://schemas.openxmlformats.org/officeDocument/2006/relationships" xmlns:p="http://schemas.openxmlformats.org/presentationml/2006/main">
+  <p:cSld>
+    <p:spTree>
+      <p:nvGrpSpPr>
+        <p:cNvPr id="1" name=""/>
+        <p:cNvGrpSpPr/>
+        <p:nvPr/>
+      </p:nvGrpSpPr>
+      <p:grpSpPr>
+        <a:xfrm>
+          <a:off x="0" y="0"/>
+          <a:ext cx="0" cy="0"/>
+          <a:chOff x="0" y="0"/>
+          <a:chExt cx="0" cy="0"/>
+        </a:xfrm>
+      </p:grpSpPr>
+      <p:sp>
+        <p:nvSpPr>
+          <p:cNvPr id="2" name="Title 1">
+            <a:extLst>
+              <a:ext uri="{FF2B5EF4-FFF2-40B4-BE49-F238E27FC236}">
+                <a16:creationId xmlns:a16="http://schemas.microsoft.com/office/drawing/2014/main" id="{C933E0CA-E988-4509-912F-317D52421873}"/>
+              </a:ext>
+            </a:extLst>
+          </p:cNvPr>
+          <p:cNvSpPr>
+            <a:spLocks noGrp="1"/>
+          </p:cNvSpPr>
+          <p:nvPr>
+            <p:ph type="title"/>
+          </p:nvPr>
+        </p:nvSpPr>
+        <p:spPr>
+          <a:xfrm>
+            <a:off x="0" y="0"/>
+            <a:ext cx="12192000" cy="1126324"/>
+          </a:xfrm>
+        </p:spPr>
+        <p:txBody>
+          <a:bodyPr/>
+          <a:lstStyle/>
+          <a:p>
+            <a:r>
+              <a:rPr lang="en-US"/>
+              <a:t>Mô tả ngắn cho sản phẩm</a:t>
+            </a:r>
+          </a:p>
+        </p:txBody>
+      </p:sp>
+      <p:pic>
+        <p:nvPicPr>
+          <p:cNvPr id="5" name="Picture 4">
+            <a:extLst>
+              <a:ext uri="{FF2B5EF4-FFF2-40B4-BE49-F238E27FC236}">
+                <a16:creationId xmlns:a16="http://schemas.microsoft.com/office/drawing/2014/main" id="{0A063421-D5F8-4AFF-A372-CF80888A1707}"/>
+              </a:ext>
+            </a:extLst>
+          </p:cNvPr>
+          <p:cNvPicPr>
+            <a:picLocks noChangeAspect="1"/>
+          </p:cNvPicPr>
+          <p:nvPr/>
+        </p:nvPicPr>
+        <p:blipFill>
+          <a:blip r:embed="rId2"/>
+          <a:stretch>
+            <a:fillRect/>
+          </a:stretch>
+        </p:blipFill>
+        <p:spPr>
+          <a:xfrm>
+            <a:off x="1765246" y="1126324"/>
+            <a:ext cx="8661508" cy="5176822"/>
+          </a:xfrm>
+          <a:prstGeom prst="rect">
+            <a:avLst/>
+          </a:prstGeom>
+        </p:spPr>
+      </p:pic>
+    </p:spTree>
+    <p:extLst>
+      <p:ext uri="{BB962C8B-B14F-4D97-AF65-F5344CB8AC3E}">
+        <p14:creationId xmlns:p14="http://schemas.microsoft.com/office/powerpoint/2010/main" val="3305617860"/>
+      </p:ext>
+    </p:extLst>
+  </p:cSld>
+  <p:clrMapOvr>
+    <a:masterClrMapping/>
+  </p:clrMapOvr>
+</p:sld>
+</file>
+
+<file path=ppt/slides/slide18.xml><?xml version="1.0" encoding="utf-8"?>
+<p:sld xmlns:a="http://schemas.openxmlformats.org/drawingml/2006/main" xmlns:r="http://schemas.openxmlformats.org/officeDocument/2006/relationships" xmlns:p="http://schemas.openxmlformats.org/presentationml/2006/main">
+  <p:cSld>
+    <p:spTree>
+      <p:nvGrpSpPr>
+        <p:cNvPr id="1" name=""/>
+        <p:cNvGrpSpPr/>
+        <p:nvPr/>
+      </p:nvGrpSpPr>
+      <p:grpSpPr>
+        <a:xfrm>
+          <a:off x="0" y="0"/>
+          <a:ext cx="0" cy="0"/>
+          <a:chOff x="0" y="0"/>
+          <a:chExt cx="0" cy="0"/>
+        </a:xfrm>
+      </p:grpSpPr>
+      <p:sp>
+        <p:nvSpPr>
+          <p:cNvPr id="2" name="Title 1">
+            <a:extLst>
+              <a:ext uri="{FF2B5EF4-FFF2-40B4-BE49-F238E27FC236}">
+                <a16:creationId xmlns:a16="http://schemas.microsoft.com/office/drawing/2014/main" id="{24920C37-D266-4B44-916D-8A3BFAB8EE8C}"/>
+              </a:ext>
+            </a:extLst>
+          </p:cNvPr>
+          <p:cNvSpPr>
+            <a:spLocks noGrp="1"/>
+          </p:cNvSpPr>
+          <p:nvPr>
+            <p:ph type="title"/>
+          </p:nvPr>
+        </p:nvSpPr>
+        <p:spPr>
+          <a:xfrm>
+            <a:off x="124287" y="168677"/>
+            <a:ext cx="11291656" cy="754602"/>
+          </a:xfrm>
+        </p:spPr>
+        <p:txBody>
+          <a:bodyPr/>
+          <a:lstStyle/>
+          <a:p>
+            <a:r>
+              <a:rPr lang="en-US"/>
+              <a:t>Nên bỏ chức năng này </a:t>
+            </a:r>
+          </a:p>
+        </p:txBody>
+      </p:sp>
+      <p:pic>
+        <p:nvPicPr>
+          <p:cNvPr id="4" name="Picture 3">
+            <a:extLst>
+              <a:ext uri="{FF2B5EF4-FFF2-40B4-BE49-F238E27FC236}">
+                <a16:creationId xmlns:a16="http://schemas.microsoft.com/office/drawing/2014/main" id="{84049C34-F92C-47A6-B5DB-4F4AE4763679}"/>
+              </a:ext>
+            </a:extLst>
+          </p:cNvPr>
+          <p:cNvPicPr>
+            <a:picLocks noChangeAspect="1"/>
+          </p:cNvPicPr>
+          <p:nvPr/>
+        </p:nvPicPr>
+        <p:blipFill>
+          <a:blip r:embed="rId2"/>
+          <a:stretch>
+            <a:fillRect/>
+          </a:stretch>
+        </p:blipFill>
+        <p:spPr>
+          <a:xfrm>
+            <a:off x="363986" y="1011869"/>
+            <a:ext cx="6692508" cy="3982006"/>
+          </a:xfrm>
+          <a:prstGeom prst="rect">
+            <a:avLst/>
+          </a:prstGeom>
+        </p:spPr>
+      </p:pic>
+      <p:sp>
+        <p:nvSpPr>
+          <p:cNvPr id="5" name="TextBox 4">
+            <a:extLst>
+              <a:ext uri="{FF2B5EF4-FFF2-40B4-BE49-F238E27FC236}">
+                <a16:creationId xmlns:a16="http://schemas.microsoft.com/office/drawing/2014/main" id="{DDF88928-7929-484C-BC6D-1543472C3A2D}"/>
+              </a:ext>
+            </a:extLst>
+          </p:cNvPr>
+          <p:cNvSpPr txBox="1"/>
+          <p:nvPr/>
+        </p:nvSpPr>
+        <p:spPr>
+          <a:xfrm>
+            <a:off x="363986" y="5193437"/>
+            <a:ext cx="6507332" cy="369332"/>
+          </a:xfrm>
+          <a:prstGeom prst="rect">
+            <a:avLst/>
+          </a:prstGeom>
+          <a:noFill/>
+        </p:spPr>
+        <p:txBody>
+          <a:bodyPr wrap="square" rtlCol="0">
+            <a:spAutoFit/>
+          </a:bodyPr>
+          <a:lstStyle/>
+          <a:p>
+            <a:r>
+              <a:rPr lang="en-US"/>
+              <a:t>Chỉ cho phép mỗi ng</a:t>
+            </a:r>
+            <a:r>
+              <a:rPr lang="vi-VN"/>
+              <a:t>ư</a:t>
+            </a:r>
+            <a:r>
+              <a:rPr lang="en-US"/>
+              <a:t>ời dung một sản phẩm trong đơn hàng.</a:t>
+            </a:r>
+          </a:p>
+        </p:txBody>
+      </p:sp>
+    </p:spTree>
+    <p:extLst>
+      <p:ext uri="{BB962C8B-B14F-4D97-AF65-F5344CB8AC3E}">
+        <p14:creationId xmlns:p14="http://schemas.microsoft.com/office/powerpoint/2010/main" val="2201678540"/>
+      </p:ext>
+    </p:extLst>
+  </p:cSld>
+  <p:clrMapOvr>
+    <a:masterClrMapping/>
+  </p:clrMapOvr>
+</p:sld>
+</file>
+
+<file path=ppt/slides/slide19.xml><?xml version="1.0" encoding="utf-8"?>
+<p:sld xmlns:a="http://schemas.openxmlformats.org/drawingml/2006/main" xmlns:r="http://schemas.openxmlformats.org/officeDocument/2006/relationships" xmlns:p="http://schemas.openxmlformats.org/presentationml/2006/main">
+  <p:cSld>
+    <p:spTree>
+      <p:nvGrpSpPr>
+        <p:cNvPr id="1" name=""/>
+        <p:cNvGrpSpPr/>
+        <p:nvPr/>
+      </p:nvGrpSpPr>
+      <p:grpSpPr>
+        <a:xfrm>
+          <a:off x="0" y="0"/>
+          <a:ext cx="0" cy="0"/>
+          <a:chOff x="0" y="0"/>
+          <a:chExt cx="0" cy="0"/>
+        </a:xfrm>
+      </p:grpSpPr>
+      <p:sp>
+        <p:nvSpPr>
+          <p:cNvPr id="2" name="Title 1">
+            <a:extLst>
+              <a:ext uri="{FF2B5EF4-FFF2-40B4-BE49-F238E27FC236}">
+                <a16:creationId xmlns:a16="http://schemas.microsoft.com/office/drawing/2014/main" id="{C05FE812-CF4C-484C-93D4-B323D9790334}"/>
+              </a:ext>
+            </a:extLst>
+          </p:cNvPr>
+          <p:cNvSpPr>
+            <a:spLocks noGrp="1"/>
+          </p:cNvSpPr>
+          <p:nvPr>
+            <p:ph type="title"/>
+          </p:nvPr>
+        </p:nvSpPr>
+        <p:spPr>
+          <a:xfrm>
+            <a:off x="97654" y="408373"/>
+            <a:ext cx="10515600" cy="842238"/>
+          </a:xfrm>
+        </p:spPr>
+        <p:txBody>
+          <a:bodyPr/>
+          <a:lstStyle/>
+          <a:p>
+            <a:r>
+              <a:rPr lang="en-US"/>
+              <a:t>Vị trí xuất hiện của sản phẩm.</a:t>
+            </a:r>
+          </a:p>
+        </p:txBody>
+      </p:sp>
+      <p:pic>
+        <p:nvPicPr>
+          <p:cNvPr id="4" name="Picture 3">
+            <a:extLst>
+              <a:ext uri="{FF2B5EF4-FFF2-40B4-BE49-F238E27FC236}">
+                <a16:creationId xmlns:a16="http://schemas.microsoft.com/office/drawing/2014/main" id="{0598A659-36F8-4552-85B4-7F8CC7DEF0A5}"/>
+              </a:ext>
+            </a:extLst>
+          </p:cNvPr>
+          <p:cNvPicPr>
+            <a:picLocks noChangeAspect="1"/>
+          </p:cNvPicPr>
+          <p:nvPr/>
+        </p:nvPicPr>
+        <p:blipFill>
+          <a:blip r:embed="rId2"/>
+          <a:stretch>
+            <a:fillRect/>
+          </a:stretch>
+        </p:blipFill>
+        <p:spPr>
+          <a:xfrm>
+            <a:off x="672379" y="1825625"/>
+            <a:ext cx="4153480" cy="828791"/>
+          </a:xfrm>
+          <a:prstGeom prst="rect">
+            <a:avLst/>
+          </a:prstGeom>
+        </p:spPr>
+      </p:pic>
+    </p:spTree>
+    <p:extLst>
+      <p:ext uri="{BB962C8B-B14F-4D97-AF65-F5344CB8AC3E}">
+        <p14:creationId xmlns:p14="http://schemas.microsoft.com/office/powerpoint/2010/main" val="4227301076"/>
       </p:ext>
     </p:extLst>
   </p:cSld>
@@ -4106,6 +5001,646 @@
     <p:extLst>
       <p:ext uri="{BB962C8B-B14F-4D97-AF65-F5344CB8AC3E}">
         <p14:creationId xmlns:p14="http://schemas.microsoft.com/office/powerpoint/2010/main" val="937862233"/>
+      </p:ext>
+    </p:extLst>
+  </p:cSld>
+  <p:clrMapOvr>
+    <a:masterClrMapping/>
+  </p:clrMapOvr>
+</p:sld>
+</file>
+
+<file path=ppt/slides/slide20.xml><?xml version="1.0" encoding="utf-8"?>
+<p:sld xmlns:a="http://schemas.openxmlformats.org/drawingml/2006/main" xmlns:r="http://schemas.openxmlformats.org/officeDocument/2006/relationships" xmlns:p="http://schemas.openxmlformats.org/presentationml/2006/main">
+  <p:cSld>
+    <p:spTree>
+      <p:nvGrpSpPr>
+        <p:cNvPr id="1" name=""/>
+        <p:cNvGrpSpPr/>
+        <p:nvPr/>
+      </p:nvGrpSpPr>
+      <p:grpSpPr>
+        <a:xfrm>
+          <a:off x="0" y="0"/>
+          <a:ext cx="0" cy="0"/>
+          <a:chOff x="0" y="0"/>
+          <a:chExt cx="0" cy="0"/>
+        </a:xfrm>
+      </p:grpSpPr>
+      <p:sp>
+        <p:nvSpPr>
+          <p:cNvPr id="2" name="Title 1">
+            <a:extLst>
+              <a:ext uri="{FF2B5EF4-FFF2-40B4-BE49-F238E27FC236}">
+                <a16:creationId xmlns:a16="http://schemas.microsoft.com/office/drawing/2014/main" id="{E883F187-2C3D-42F8-AB22-49D2D055BCAF}"/>
+              </a:ext>
+            </a:extLst>
+          </p:cNvPr>
+          <p:cNvSpPr>
+            <a:spLocks noGrp="1"/>
+          </p:cNvSpPr>
+          <p:nvPr>
+            <p:ph type="title"/>
+          </p:nvPr>
+        </p:nvSpPr>
+        <p:spPr/>
+        <p:txBody>
+          <a:bodyPr/>
+          <a:lstStyle/>
+          <a:p>
+            <a:endParaRPr lang="en-US"/>
+          </a:p>
+        </p:txBody>
+      </p:sp>
+      <p:sp>
+        <p:nvSpPr>
+          <p:cNvPr id="3" name="Content Placeholder 2">
+            <a:extLst>
+              <a:ext uri="{FF2B5EF4-FFF2-40B4-BE49-F238E27FC236}">
+                <a16:creationId xmlns:a16="http://schemas.microsoft.com/office/drawing/2014/main" id="{A2AA26FA-3A83-49AF-9E97-0B4F4C3B9D1F}"/>
+              </a:ext>
+            </a:extLst>
+          </p:cNvPr>
+          <p:cNvSpPr>
+            <a:spLocks noGrp="1"/>
+          </p:cNvSpPr>
+          <p:nvPr>
+            <p:ph idx="1"/>
+          </p:nvPr>
+        </p:nvSpPr>
+        <p:spPr/>
+        <p:txBody>
+          <a:bodyPr/>
+          <a:lstStyle/>
+          <a:p>
+            <a:endParaRPr lang="en-US"/>
+          </a:p>
+        </p:txBody>
+      </p:sp>
+    </p:spTree>
+    <p:extLst>
+      <p:ext uri="{BB962C8B-B14F-4D97-AF65-F5344CB8AC3E}">
+        <p14:creationId xmlns:p14="http://schemas.microsoft.com/office/powerpoint/2010/main" val="869764892"/>
+      </p:ext>
+    </p:extLst>
+  </p:cSld>
+  <p:clrMapOvr>
+    <a:masterClrMapping/>
+  </p:clrMapOvr>
+</p:sld>
+</file>
+
+<file path=ppt/slides/slide21.xml><?xml version="1.0" encoding="utf-8"?>
+<p:sld xmlns:a="http://schemas.openxmlformats.org/drawingml/2006/main" xmlns:r="http://schemas.openxmlformats.org/officeDocument/2006/relationships" xmlns:p="http://schemas.openxmlformats.org/presentationml/2006/main">
+  <p:cSld>
+    <p:spTree>
+      <p:nvGrpSpPr>
+        <p:cNvPr id="1" name=""/>
+        <p:cNvGrpSpPr/>
+        <p:nvPr/>
+      </p:nvGrpSpPr>
+      <p:grpSpPr>
+        <a:xfrm>
+          <a:off x="0" y="0"/>
+          <a:ext cx="0" cy="0"/>
+          <a:chOff x="0" y="0"/>
+          <a:chExt cx="0" cy="0"/>
+        </a:xfrm>
+      </p:grpSpPr>
+      <p:sp>
+        <p:nvSpPr>
+          <p:cNvPr id="2" name="Title 1">
+            <a:extLst>
+              <a:ext uri="{FF2B5EF4-FFF2-40B4-BE49-F238E27FC236}">
+                <a16:creationId xmlns:a16="http://schemas.microsoft.com/office/drawing/2014/main" id="{0DCF8086-043B-4513-B30A-122F18DEA4F4}"/>
+              </a:ext>
+            </a:extLst>
+          </p:cNvPr>
+          <p:cNvSpPr>
+            <a:spLocks noGrp="1"/>
+          </p:cNvSpPr>
+          <p:nvPr>
+            <p:ph type="title"/>
+          </p:nvPr>
+        </p:nvSpPr>
+        <p:spPr/>
+        <p:txBody>
+          <a:bodyPr/>
+          <a:lstStyle/>
+          <a:p>
+            <a:endParaRPr lang="en-US"/>
+          </a:p>
+        </p:txBody>
+      </p:sp>
+      <p:sp>
+        <p:nvSpPr>
+          <p:cNvPr id="3" name="Content Placeholder 2">
+            <a:extLst>
+              <a:ext uri="{FF2B5EF4-FFF2-40B4-BE49-F238E27FC236}">
+                <a16:creationId xmlns:a16="http://schemas.microsoft.com/office/drawing/2014/main" id="{E9FCA6FF-F4C2-4E32-B0C2-F7163E8D6DCE}"/>
+              </a:ext>
+            </a:extLst>
+          </p:cNvPr>
+          <p:cNvSpPr>
+            <a:spLocks noGrp="1"/>
+          </p:cNvSpPr>
+          <p:nvPr>
+            <p:ph idx="1"/>
+          </p:nvPr>
+        </p:nvSpPr>
+        <p:spPr/>
+        <p:txBody>
+          <a:bodyPr/>
+          <a:lstStyle/>
+          <a:p>
+            <a:endParaRPr lang="en-US"/>
+          </a:p>
+        </p:txBody>
+      </p:sp>
+    </p:spTree>
+    <p:extLst>
+      <p:ext uri="{BB962C8B-B14F-4D97-AF65-F5344CB8AC3E}">
+        <p14:creationId xmlns:p14="http://schemas.microsoft.com/office/powerpoint/2010/main" val="1473818358"/>
+      </p:ext>
+    </p:extLst>
+  </p:cSld>
+  <p:clrMapOvr>
+    <a:masterClrMapping/>
+  </p:clrMapOvr>
+</p:sld>
+</file>
+
+<file path=ppt/slides/slide22.xml><?xml version="1.0" encoding="utf-8"?>
+<p:sld xmlns:a="http://schemas.openxmlformats.org/drawingml/2006/main" xmlns:r="http://schemas.openxmlformats.org/officeDocument/2006/relationships" xmlns:p="http://schemas.openxmlformats.org/presentationml/2006/main">
+  <p:cSld>
+    <p:spTree>
+      <p:nvGrpSpPr>
+        <p:cNvPr id="1" name=""/>
+        <p:cNvGrpSpPr/>
+        <p:nvPr/>
+      </p:nvGrpSpPr>
+      <p:grpSpPr>
+        <a:xfrm>
+          <a:off x="0" y="0"/>
+          <a:ext cx="0" cy="0"/>
+          <a:chOff x="0" y="0"/>
+          <a:chExt cx="0" cy="0"/>
+        </a:xfrm>
+      </p:grpSpPr>
+      <p:sp>
+        <p:nvSpPr>
+          <p:cNvPr id="2" name="Title 1">
+            <a:extLst>
+              <a:ext uri="{FF2B5EF4-FFF2-40B4-BE49-F238E27FC236}">
+                <a16:creationId xmlns:a16="http://schemas.microsoft.com/office/drawing/2014/main" id="{13999F5A-EAF2-466B-A60C-944525D227DF}"/>
+              </a:ext>
+            </a:extLst>
+          </p:cNvPr>
+          <p:cNvSpPr>
+            <a:spLocks noGrp="1"/>
+          </p:cNvSpPr>
+          <p:nvPr>
+            <p:ph type="title"/>
+          </p:nvPr>
+        </p:nvSpPr>
+        <p:spPr/>
+        <p:txBody>
+          <a:bodyPr/>
+          <a:lstStyle/>
+          <a:p>
+            <a:endParaRPr lang="en-US"/>
+          </a:p>
+        </p:txBody>
+      </p:sp>
+      <p:sp>
+        <p:nvSpPr>
+          <p:cNvPr id="3" name="Content Placeholder 2">
+            <a:extLst>
+              <a:ext uri="{FF2B5EF4-FFF2-40B4-BE49-F238E27FC236}">
+                <a16:creationId xmlns:a16="http://schemas.microsoft.com/office/drawing/2014/main" id="{868AE7DB-467D-47A4-87FB-B8696FD7AECC}"/>
+              </a:ext>
+            </a:extLst>
+          </p:cNvPr>
+          <p:cNvSpPr>
+            <a:spLocks noGrp="1"/>
+          </p:cNvSpPr>
+          <p:nvPr>
+            <p:ph idx="1"/>
+          </p:nvPr>
+        </p:nvSpPr>
+        <p:spPr/>
+        <p:txBody>
+          <a:bodyPr/>
+          <a:lstStyle/>
+          <a:p>
+            <a:endParaRPr lang="en-US"/>
+          </a:p>
+        </p:txBody>
+      </p:sp>
+    </p:spTree>
+    <p:extLst>
+      <p:ext uri="{BB962C8B-B14F-4D97-AF65-F5344CB8AC3E}">
+        <p14:creationId xmlns:p14="http://schemas.microsoft.com/office/powerpoint/2010/main" val="1551399352"/>
+      </p:ext>
+    </p:extLst>
+  </p:cSld>
+  <p:clrMapOvr>
+    <a:masterClrMapping/>
+  </p:clrMapOvr>
+</p:sld>
+</file>
+
+<file path=ppt/slides/slide23.xml><?xml version="1.0" encoding="utf-8"?>
+<p:sld xmlns:a="http://schemas.openxmlformats.org/drawingml/2006/main" xmlns:r="http://schemas.openxmlformats.org/officeDocument/2006/relationships" xmlns:p="http://schemas.openxmlformats.org/presentationml/2006/main">
+  <p:cSld>
+    <p:spTree>
+      <p:nvGrpSpPr>
+        <p:cNvPr id="1" name=""/>
+        <p:cNvGrpSpPr/>
+        <p:nvPr/>
+      </p:nvGrpSpPr>
+      <p:grpSpPr>
+        <a:xfrm>
+          <a:off x="0" y="0"/>
+          <a:ext cx="0" cy="0"/>
+          <a:chOff x="0" y="0"/>
+          <a:chExt cx="0" cy="0"/>
+        </a:xfrm>
+      </p:grpSpPr>
+      <p:sp>
+        <p:nvSpPr>
+          <p:cNvPr id="2" name="Title 1">
+            <a:extLst>
+              <a:ext uri="{FF2B5EF4-FFF2-40B4-BE49-F238E27FC236}">
+                <a16:creationId xmlns:a16="http://schemas.microsoft.com/office/drawing/2014/main" id="{39FFCF90-9296-4D75-9A75-6A8EE9213AF0}"/>
+              </a:ext>
+            </a:extLst>
+          </p:cNvPr>
+          <p:cNvSpPr>
+            <a:spLocks noGrp="1"/>
+          </p:cNvSpPr>
+          <p:nvPr>
+            <p:ph type="title"/>
+          </p:nvPr>
+        </p:nvSpPr>
+        <p:spPr/>
+        <p:txBody>
+          <a:bodyPr/>
+          <a:lstStyle/>
+          <a:p>
+            <a:endParaRPr lang="en-US"/>
+          </a:p>
+        </p:txBody>
+      </p:sp>
+      <p:sp>
+        <p:nvSpPr>
+          <p:cNvPr id="3" name="Content Placeholder 2">
+            <a:extLst>
+              <a:ext uri="{FF2B5EF4-FFF2-40B4-BE49-F238E27FC236}">
+                <a16:creationId xmlns:a16="http://schemas.microsoft.com/office/drawing/2014/main" id="{F527A053-AC18-4182-8A02-5F1F0B09EFD2}"/>
+              </a:ext>
+            </a:extLst>
+          </p:cNvPr>
+          <p:cNvSpPr>
+            <a:spLocks noGrp="1"/>
+          </p:cNvSpPr>
+          <p:nvPr>
+            <p:ph idx="1"/>
+          </p:nvPr>
+        </p:nvSpPr>
+        <p:spPr/>
+        <p:txBody>
+          <a:bodyPr/>
+          <a:lstStyle/>
+          <a:p>
+            <a:endParaRPr lang="en-US"/>
+          </a:p>
+        </p:txBody>
+      </p:sp>
+    </p:spTree>
+    <p:extLst>
+      <p:ext uri="{BB962C8B-B14F-4D97-AF65-F5344CB8AC3E}">
+        <p14:creationId xmlns:p14="http://schemas.microsoft.com/office/powerpoint/2010/main" val="1024134691"/>
+      </p:ext>
+    </p:extLst>
+  </p:cSld>
+  <p:clrMapOvr>
+    <a:masterClrMapping/>
+  </p:clrMapOvr>
+</p:sld>
+</file>
+
+<file path=ppt/slides/slide24.xml><?xml version="1.0" encoding="utf-8"?>
+<p:sld xmlns:a="http://schemas.openxmlformats.org/drawingml/2006/main" xmlns:r="http://schemas.openxmlformats.org/officeDocument/2006/relationships" xmlns:p="http://schemas.openxmlformats.org/presentationml/2006/main">
+  <p:cSld>
+    <p:spTree>
+      <p:nvGrpSpPr>
+        <p:cNvPr id="1" name=""/>
+        <p:cNvGrpSpPr/>
+        <p:nvPr/>
+      </p:nvGrpSpPr>
+      <p:grpSpPr>
+        <a:xfrm>
+          <a:off x="0" y="0"/>
+          <a:ext cx="0" cy="0"/>
+          <a:chOff x="0" y="0"/>
+          <a:chExt cx="0" cy="0"/>
+        </a:xfrm>
+      </p:grpSpPr>
+      <p:sp>
+        <p:nvSpPr>
+          <p:cNvPr id="2" name="Title 1">
+            <a:extLst>
+              <a:ext uri="{FF2B5EF4-FFF2-40B4-BE49-F238E27FC236}">
+                <a16:creationId xmlns:a16="http://schemas.microsoft.com/office/drawing/2014/main" id="{EB3257B1-DC0F-4DA1-9A27-EF01CE1B1955}"/>
+              </a:ext>
+            </a:extLst>
+          </p:cNvPr>
+          <p:cNvSpPr>
+            <a:spLocks noGrp="1"/>
+          </p:cNvSpPr>
+          <p:nvPr>
+            <p:ph type="title"/>
+          </p:nvPr>
+        </p:nvSpPr>
+        <p:spPr/>
+        <p:txBody>
+          <a:bodyPr/>
+          <a:lstStyle/>
+          <a:p>
+            <a:endParaRPr lang="en-US"/>
+          </a:p>
+        </p:txBody>
+      </p:sp>
+      <p:sp>
+        <p:nvSpPr>
+          <p:cNvPr id="3" name="Content Placeholder 2">
+            <a:extLst>
+              <a:ext uri="{FF2B5EF4-FFF2-40B4-BE49-F238E27FC236}">
+                <a16:creationId xmlns:a16="http://schemas.microsoft.com/office/drawing/2014/main" id="{5F9F6EBE-C2FD-4995-A125-0D867E2E1571}"/>
+              </a:ext>
+            </a:extLst>
+          </p:cNvPr>
+          <p:cNvSpPr>
+            <a:spLocks noGrp="1"/>
+          </p:cNvSpPr>
+          <p:nvPr>
+            <p:ph idx="1"/>
+          </p:nvPr>
+        </p:nvSpPr>
+        <p:spPr/>
+        <p:txBody>
+          <a:bodyPr/>
+          <a:lstStyle/>
+          <a:p>
+            <a:endParaRPr lang="en-US"/>
+          </a:p>
+        </p:txBody>
+      </p:sp>
+    </p:spTree>
+    <p:extLst>
+      <p:ext uri="{BB962C8B-B14F-4D97-AF65-F5344CB8AC3E}">
+        <p14:creationId xmlns:p14="http://schemas.microsoft.com/office/powerpoint/2010/main" val="2809937448"/>
+      </p:ext>
+    </p:extLst>
+  </p:cSld>
+  <p:clrMapOvr>
+    <a:masterClrMapping/>
+  </p:clrMapOvr>
+</p:sld>
+</file>
+
+<file path=ppt/slides/slide25.xml><?xml version="1.0" encoding="utf-8"?>
+<p:sld xmlns:a="http://schemas.openxmlformats.org/drawingml/2006/main" xmlns:r="http://schemas.openxmlformats.org/officeDocument/2006/relationships" xmlns:p="http://schemas.openxmlformats.org/presentationml/2006/main">
+  <p:cSld>
+    <p:spTree>
+      <p:nvGrpSpPr>
+        <p:cNvPr id="1" name=""/>
+        <p:cNvGrpSpPr/>
+        <p:nvPr/>
+      </p:nvGrpSpPr>
+      <p:grpSpPr>
+        <a:xfrm>
+          <a:off x="0" y="0"/>
+          <a:ext cx="0" cy="0"/>
+          <a:chOff x="0" y="0"/>
+          <a:chExt cx="0" cy="0"/>
+        </a:xfrm>
+      </p:grpSpPr>
+      <p:sp>
+        <p:nvSpPr>
+          <p:cNvPr id="2" name="Title 1">
+            <a:extLst>
+              <a:ext uri="{FF2B5EF4-FFF2-40B4-BE49-F238E27FC236}">
+                <a16:creationId xmlns:a16="http://schemas.microsoft.com/office/drawing/2014/main" id="{D4726D2B-441B-4D35-B92B-D37A675AE727}"/>
+              </a:ext>
+            </a:extLst>
+          </p:cNvPr>
+          <p:cNvSpPr>
+            <a:spLocks noGrp="1"/>
+          </p:cNvSpPr>
+          <p:nvPr>
+            <p:ph type="title"/>
+          </p:nvPr>
+        </p:nvSpPr>
+        <p:spPr/>
+        <p:txBody>
+          <a:bodyPr/>
+          <a:lstStyle/>
+          <a:p>
+            <a:endParaRPr lang="en-US"/>
+          </a:p>
+        </p:txBody>
+      </p:sp>
+      <p:sp>
+        <p:nvSpPr>
+          <p:cNvPr id="3" name="Content Placeholder 2">
+            <a:extLst>
+              <a:ext uri="{FF2B5EF4-FFF2-40B4-BE49-F238E27FC236}">
+                <a16:creationId xmlns:a16="http://schemas.microsoft.com/office/drawing/2014/main" id="{DCE9019B-B72A-4841-910A-07ABFBEAEAEE}"/>
+              </a:ext>
+            </a:extLst>
+          </p:cNvPr>
+          <p:cNvSpPr>
+            <a:spLocks noGrp="1"/>
+          </p:cNvSpPr>
+          <p:nvPr>
+            <p:ph idx="1"/>
+          </p:nvPr>
+        </p:nvSpPr>
+        <p:spPr/>
+        <p:txBody>
+          <a:bodyPr/>
+          <a:lstStyle/>
+          <a:p>
+            <a:endParaRPr lang="en-US"/>
+          </a:p>
+        </p:txBody>
+      </p:sp>
+    </p:spTree>
+    <p:extLst>
+      <p:ext uri="{BB962C8B-B14F-4D97-AF65-F5344CB8AC3E}">
+        <p14:creationId xmlns:p14="http://schemas.microsoft.com/office/powerpoint/2010/main" val="2178119728"/>
+      </p:ext>
+    </p:extLst>
+  </p:cSld>
+  <p:clrMapOvr>
+    <a:masterClrMapping/>
+  </p:clrMapOvr>
+</p:sld>
+</file>
+
+<file path=ppt/slides/slide26.xml><?xml version="1.0" encoding="utf-8"?>
+<p:sld xmlns:a="http://schemas.openxmlformats.org/drawingml/2006/main" xmlns:r="http://schemas.openxmlformats.org/officeDocument/2006/relationships" xmlns:p="http://schemas.openxmlformats.org/presentationml/2006/main">
+  <p:cSld>
+    <p:spTree>
+      <p:nvGrpSpPr>
+        <p:cNvPr id="1" name=""/>
+        <p:cNvGrpSpPr/>
+        <p:nvPr/>
+      </p:nvGrpSpPr>
+      <p:grpSpPr>
+        <a:xfrm>
+          <a:off x="0" y="0"/>
+          <a:ext cx="0" cy="0"/>
+          <a:chOff x="0" y="0"/>
+          <a:chExt cx="0" cy="0"/>
+        </a:xfrm>
+      </p:grpSpPr>
+      <p:sp>
+        <p:nvSpPr>
+          <p:cNvPr id="2" name="Title 1">
+            <a:extLst>
+              <a:ext uri="{FF2B5EF4-FFF2-40B4-BE49-F238E27FC236}">
+                <a16:creationId xmlns:a16="http://schemas.microsoft.com/office/drawing/2014/main" id="{91439A76-0DE4-494F-807F-47E6E70BB8AB}"/>
+              </a:ext>
+            </a:extLst>
+          </p:cNvPr>
+          <p:cNvSpPr>
+            <a:spLocks noGrp="1"/>
+          </p:cNvSpPr>
+          <p:nvPr>
+            <p:ph type="title"/>
+          </p:nvPr>
+        </p:nvSpPr>
+        <p:spPr/>
+        <p:txBody>
+          <a:bodyPr/>
+          <a:lstStyle/>
+          <a:p>
+            <a:endParaRPr lang="en-US"/>
+          </a:p>
+        </p:txBody>
+      </p:sp>
+      <p:sp>
+        <p:nvSpPr>
+          <p:cNvPr id="3" name="Content Placeholder 2">
+            <a:extLst>
+              <a:ext uri="{FF2B5EF4-FFF2-40B4-BE49-F238E27FC236}">
+                <a16:creationId xmlns:a16="http://schemas.microsoft.com/office/drawing/2014/main" id="{64AC9B41-8B8F-4A4B-A615-9D62B0B42FF9}"/>
+              </a:ext>
+            </a:extLst>
+          </p:cNvPr>
+          <p:cNvSpPr>
+            <a:spLocks noGrp="1"/>
+          </p:cNvSpPr>
+          <p:nvPr>
+            <p:ph idx="1"/>
+          </p:nvPr>
+        </p:nvSpPr>
+        <p:spPr/>
+        <p:txBody>
+          <a:bodyPr/>
+          <a:lstStyle/>
+          <a:p>
+            <a:endParaRPr lang="en-US"/>
+          </a:p>
+        </p:txBody>
+      </p:sp>
+    </p:spTree>
+    <p:extLst>
+      <p:ext uri="{BB962C8B-B14F-4D97-AF65-F5344CB8AC3E}">
+        <p14:creationId xmlns:p14="http://schemas.microsoft.com/office/powerpoint/2010/main" val="1726835823"/>
+      </p:ext>
+    </p:extLst>
+  </p:cSld>
+  <p:clrMapOvr>
+    <a:masterClrMapping/>
+  </p:clrMapOvr>
+</p:sld>
+</file>
+
+<file path=ppt/slides/slide27.xml><?xml version="1.0" encoding="utf-8"?>
+<p:sld xmlns:a="http://schemas.openxmlformats.org/drawingml/2006/main" xmlns:r="http://schemas.openxmlformats.org/officeDocument/2006/relationships" xmlns:p="http://schemas.openxmlformats.org/presentationml/2006/main">
+  <p:cSld>
+    <p:spTree>
+      <p:nvGrpSpPr>
+        <p:cNvPr id="1" name=""/>
+        <p:cNvGrpSpPr/>
+        <p:nvPr/>
+      </p:nvGrpSpPr>
+      <p:grpSpPr>
+        <a:xfrm>
+          <a:off x="0" y="0"/>
+          <a:ext cx="0" cy="0"/>
+          <a:chOff x="0" y="0"/>
+          <a:chExt cx="0" cy="0"/>
+        </a:xfrm>
+      </p:grpSpPr>
+      <p:sp>
+        <p:nvSpPr>
+          <p:cNvPr id="2" name="Title 1">
+            <a:extLst>
+              <a:ext uri="{FF2B5EF4-FFF2-40B4-BE49-F238E27FC236}">
+                <a16:creationId xmlns:a16="http://schemas.microsoft.com/office/drawing/2014/main" id="{216578A7-AE26-4B68-80AC-0560FC2348DD}"/>
+              </a:ext>
+            </a:extLst>
+          </p:cNvPr>
+          <p:cNvSpPr>
+            <a:spLocks noGrp="1"/>
+          </p:cNvSpPr>
+          <p:nvPr>
+            <p:ph type="title"/>
+          </p:nvPr>
+        </p:nvSpPr>
+        <p:spPr/>
+        <p:txBody>
+          <a:bodyPr/>
+          <a:lstStyle/>
+          <a:p>
+            <a:endParaRPr lang="en-US"/>
+          </a:p>
+        </p:txBody>
+      </p:sp>
+      <p:sp>
+        <p:nvSpPr>
+          <p:cNvPr id="3" name="Content Placeholder 2">
+            <a:extLst>
+              <a:ext uri="{FF2B5EF4-FFF2-40B4-BE49-F238E27FC236}">
+                <a16:creationId xmlns:a16="http://schemas.microsoft.com/office/drawing/2014/main" id="{8CD6F1B0-0965-4222-A47E-3E395C7241F0}"/>
+              </a:ext>
+            </a:extLst>
+          </p:cNvPr>
+          <p:cNvSpPr>
+            <a:spLocks noGrp="1"/>
+          </p:cNvSpPr>
+          <p:nvPr>
+            <p:ph idx="1"/>
+          </p:nvPr>
+        </p:nvSpPr>
+        <p:spPr/>
+        <p:txBody>
+          <a:bodyPr/>
+          <a:lstStyle/>
+          <a:p>
+            <a:endParaRPr lang="en-US"/>
+          </a:p>
+        </p:txBody>
+      </p:sp>
+    </p:spTree>
+    <p:extLst>
+      <p:ext uri="{BB962C8B-B14F-4D97-AF65-F5344CB8AC3E}">
+        <p14:creationId xmlns:p14="http://schemas.microsoft.com/office/powerpoint/2010/main" val="934823576"/>
       </p:ext>
     </p:extLst>
   </p:cSld>
@@ -4283,7 +5818,7 @@
           <a:p>
             <a:r>
               <a:rPr lang="en-US"/>
-              <a:t>Cài đặt địa chỉ cửa hàng.</a:t>
+              <a:t>1) Cài đặt địa chỉ cửa hàng.</a:t>
             </a:r>
           </a:p>
         </p:txBody>
@@ -4310,7 +5845,7 @@
         </p:blipFill>
         <p:spPr>
           <a:xfrm>
-            <a:off x="92476" y="1182949"/>
+            <a:off x="144237" y="1182949"/>
             <a:ext cx="5562600" cy="4705165"/>
           </a:xfrm>
           <a:prstGeom prst="rect">
@@ -4383,7 +5918,7 @@
           <p:cNvPr id="2" name="Title 1">
             <a:extLst>
               <a:ext uri="{FF2B5EF4-FFF2-40B4-BE49-F238E27FC236}">
-                <a16:creationId xmlns:a16="http://schemas.microsoft.com/office/drawing/2014/main" id="{300B98C7-90BA-4D4F-8FC1-775AAC692346}"/>
+                <a16:creationId xmlns:a16="http://schemas.microsoft.com/office/drawing/2014/main" id="{58540668-1B70-4834-95C4-FCF41D837241}"/>
               </a:ext>
             </a:extLst>
           </p:cNvPr>
@@ -4396,72 +5931,77 @@
         </p:nvSpPr>
         <p:spPr>
           <a:xfrm>
-            <a:off x="0" y="18256"/>
-            <a:ext cx="12192000" cy="1126964"/>
-          </a:xfrm>
-        </p:spPr>
-        <p:txBody>
-          <a:bodyPr/>
-          <a:lstStyle/>
-          <a:p>
-            <a:r>
-              <a:rPr lang="en-US"/>
-              <a:t>Hiển thị số l</a:t>
-            </a:r>
-            <a:r>
-              <a:rPr lang="vi-VN"/>
-              <a:t>ư</a:t>
-            </a:r>
-            <a:r>
-              <a:rPr lang="en-US"/>
-              <a:t>ợng tồn kho cho khách hàng dễ theo dõi</a:t>
-            </a:r>
-          </a:p>
-        </p:txBody>
-      </p:sp>
-      <p:sp>
-        <p:nvSpPr>
-          <p:cNvPr id="3" name="Content Placeholder 2">
-            <a:extLst>
-              <a:ext uri="{FF2B5EF4-FFF2-40B4-BE49-F238E27FC236}">
-                <a16:creationId xmlns:a16="http://schemas.microsoft.com/office/drawing/2014/main" id="{61F860B0-0470-4A4C-8A35-924ACEEC657A}"/>
-              </a:ext>
-            </a:extLst>
-          </p:cNvPr>
-          <p:cNvSpPr>
-            <a:spLocks noGrp="1"/>
-          </p:cNvSpPr>
-          <p:nvPr>
-            <p:ph idx="1"/>
-          </p:nvPr>
-        </p:nvSpPr>
-        <p:spPr>
-          <a:xfrm>
-            <a:off x="838200" y="1825625"/>
-            <a:ext cx="10515600" cy="1423602"/>
-          </a:xfrm>
-        </p:spPr>
-        <p:txBody>
-          <a:bodyPr/>
-          <a:lstStyle/>
-          <a:p>
-            <a:endParaRPr lang="en-US"/>
+            <a:off x="0" y="0"/>
+            <a:ext cx="12098214" cy="879231"/>
+          </a:xfrm>
+        </p:spPr>
+        <p:txBody>
+          <a:bodyPr/>
+          <a:lstStyle/>
+          <a:p>
+            <a:r>
+              <a:rPr lang="en-US"/>
+              <a:t>2)Cài </a:t>
+            </a:r>
+            <a:r>
+              <a:rPr lang="en-US" dirty="0" err="1"/>
+              <a:t>đặt</a:t>
+            </a:r>
+            <a:r>
+              <a:rPr lang="en-US" dirty="0"/>
+              <a:t> </a:t>
+            </a:r>
+            <a:r>
+              <a:rPr lang="en-US" dirty="0" err="1"/>
+              <a:t>chung</a:t>
+            </a:r>
+            <a:r>
+              <a:rPr lang="en-US" dirty="0"/>
+              <a:t> </a:t>
+            </a:r>
+            <a:r>
+              <a:rPr lang="en-US" dirty="0" err="1"/>
+              <a:t>cho</a:t>
+            </a:r>
+            <a:r>
+              <a:rPr lang="en-US" dirty="0"/>
+              <a:t> </a:t>
+            </a:r>
+            <a:r>
+              <a:rPr lang="en-US" dirty="0" err="1"/>
+              <a:t>sản</a:t>
+            </a:r>
+            <a:r>
+              <a:rPr lang="en-US" dirty="0"/>
+              <a:t> </a:t>
+            </a:r>
+            <a:r>
+              <a:rPr lang="en-US" err="1"/>
+              <a:t>phẩm</a:t>
+            </a:r>
+            <a:r>
+              <a:rPr lang="en-US"/>
+              <a:t>: Cài đặt kho hàng.</a:t>
+            </a:r>
+            <a:endParaRPr lang="en-US" dirty="0"/>
           </a:p>
         </p:txBody>
       </p:sp>
       <p:pic>
         <p:nvPicPr>
-          <p:cNvPr id="4" name="Picture 3">
-            <a:extLst>
-              <a:ext uri="{FF2B5EF4-FFF2-40B4-BE49-F238E27FC236}">
-                <a16:creationId xmlns:a16="http://schemas.microsoft.com/office/drawing/2014/main" id="{45B0E9CE-4332-4310-8244-91ECA188451C}"/>
+          <p:cNvPr id="4" name="Content Placeholder 3">
+            <a:extLst>
+              <a:ext uri="{FF2B5EF4-FFF2-40B4-BE49-F238E27FC236}">
+                <a16:creationId xmlns:a16="http://schemas.microsoft.com/office/drawing/2014/main" id="{92AECE3E-5E0B-4740-BE8E-3E89B21D8A33}"/>
               </a:ext>
             </a:extLst>
           </p:cNvPr>
           <p:cNvPicPr>
-            <a:picLocks noChangeAspect="1"/>
+            <a:picLocks noGrp="1" noChangeAspect="1"/>
           </p:cNvPicPr>
-          <p:nvPr/>
+          <p:nvPr>
+            <p:ph idx="1"/>
+          </p:nvPr>
         </p:nvPicPr>
         <p:blipFill>
           <a:blip r:embed="rId2"/>
@@ -4471,100 +6011,18 @@
         </p:blipFill>
         <p:spPr>
           <a:xfrm>
-            <a:off x="744494" y="1825625"/>
-            <a:ext cx="4382112" cy="1038370"/>
+            <a:off x="311272" y="1315250"/>
+            <a:ext cx="6735115" cy="4991797"/>
           </a:xfrm>
           <a:prstGeom prst="rect">
             <a:avLst/>
           </a:prstGeom>
         </p:spPr>
       </p:pic>
-      <p:cxnSp>
-        <p:nvCxnSpPr>
-          <p:cNvPr id="6" name="Straight Arrow Connector 5">
-            <a:extLst>
-              <a:ext uri="{FF2B5EF4-FFF2-40B4-BE49-F238E27FC236}">
-                <a16:creationId xmlns:a16="http://schemas.microsoft.com/office/drawing/2014/main" id="{D49B4F97-FF2F-4441-BB37-4DAF2CD767A7}"/>
-              </a:ext>
-            </a:extLst>
-          </p:cNvPr>
-          <p:cNvCxnSpPr/>
-          <p:nvPr/>
-        </p:nvCxnSpPr>
-        <p:spPr>
-          <a:xfrm>
-            <a:off x="2734322" y="2863995"/>
-            <a:ext cx="1704513" cy="1521574"/>
-          </a:xfrm>
-          <a:prstGeom prst="straightConnector1">
-            <a:avLst/>
-          </a:prstGeom>
-          <a:ln>
-            <a:tailEnd type="triangle"/>
-          </a:ln>
-        </p:spPr>
-        <p:style>
-          <a:lnRef idx="1">
-            <a:schemeClr val="dk1"/>
-          </a:lnRef>
-          <a:fillRef idx="0">
-            <a:schemeClr val="dk1"/>
-          </a:fillRef>
-          <a:effectRef idx="0">
-            <a:schemeClr val="dk1"/>
-          </a:effectRef>
-          <a:fontRef idx="minor">
-            <a:schemeClr val="tx1"/>
-          </a:fontRef>
-        </p:style>
-      </p:cxnSp>
-      <p:sp>
-        <p:nvSpPr>
-          <p:cNvPr id="7" name="TextBox 6">
-            <a:extLst>
-              <a:ext uri="{FF2B5EF4-FFF2-40B4-BE49-F238E27FC236}">
-                <a16:creationId xmlns:a16="http://schemas.microsoft.com/office/drawing/2014/main" id="{32DA004C-5527-4B34-A948-B2C41CC43E01}"/>
-              </a:ext>
-            </a:extLst>
-          </p:cNvPr>
-          <p:cNvSpPr txBox="1"/>
-          <p:nvPr/>
-        </p:nvSpPr>
-        <p:spPr>
-          <a:xfrm>
-            <a:off x="4714043" y="3929632"/>
-            <a:ext cx="6702640" cy="369332"/>
-          </a:xfrm>
-          <a:prstGeom prst="rect">
-            <a:avLst/>
-          </a:prstGeom>
-          <a:noFill/>
-        </p:spPr>
-        <p:txBody>
-          <a:bodyPr wrap="square" rtlCol="0">
-            <a:spAutoFit/>
-          </a:bodyPr>
-          <a:lstStyle/>
-          <a:p>
-            <a:r>
-              <a:rPr lang="en-US"/>
-              <a:t>Sản phẩm đang tồn 100 chiếc thì ko cho phép đặt quá số l</a:t>
-            </a:r>
-            <a:r>
-              <a:rPr lang="vi-VN"/>
-              <a:t>ư</a:t>
-            </a:r>
-            <a:r>
-              <a:rPr lang="en-US"/>
-              <a:t>ợng.</a:t>
-            </a:r>
-          </a:p>
-        </p:txBody>
-      </p:sp>
     </p:spTree>
     <p:extLst>
       <p:ext uri="{BB962C8B-B14F-4D97-AF65-F5344CB8AC3E}">
-        <p14:creationId xmlns:p14="http://schemas.microsoft.com/office/powerpoint/2010/main" val="1120906077"/>
+        <p14:creationId xmlns:p14="http://schemas.microsoft.com/office/powerpoint/2010/main" val="3530004102"/>
       </p:ext>
     </p:extLst>
   </p:cSld>
@@ -4596,7 +6054,7 @@
           <p:cNvPr id="2" name="Title 1">
             <a:extLst>
               <a:ext uri="{FF2B5EF4-FFF2-40B4-BE49-F238E27FC236}">
-                <a16:creationId xmlns:a16="http://schemas.microsoft.com/office/drawing/2014/main" id="{58540668-1B70-4834-95C4-FCF41D837241}"/>
+                <a16:creationId xmlns:a16="http://schemas.microsoft.com/office/drawing/2014/main" id="{300B98C7-90BA-4D4F-8FC1-775AAC692346}"/>
               </a:ext>
             </a:extLst>
           </p:cNvPr>
@@ -4609,63 +6067,26 @@
         </p:nvSpPr>
         <p:spPr>
           <a:xfrm>
-            <a:off x="0" y="0"/>
-            <a:ext cx="10515600" cy="879231"/>
-          </a:xfrm>
-        </p:spPr>
-        <p:txBody>
-          <a:bodyPr/>
-          <a:lstStyle/>
-          <a:p>
-            <a:r>
-              <a:rPr lang="en-US" dirty="0" err="1" smtClean="0"/>
-              <a:t>Cài</a:t>
-            </a:r>
-            <a:r>
-              <a:rPr lang="en-US" dirty="0" smtClean="0"/>
-              <a:t> </a:t>
-            </a:r>
-            <a:r>
-              <a:rPr lang="en-US" dirty="0" err="1" smtClean="0"/>
-              <a:t>đặt</a:t>
-            </a:r>
-            <a:r>
-              <a:rPr lang="en-US" dirty="0" smtClean="0"/>
-              <a:t> </a:t>
-            </a:r>
-            <a:r>
-              <a:rPr lang="en-US" dirty="0" err="1" smtClean="0"/>
-              <a:t>chung</a:t>
-            </a:r>
-            <a:r>
-              <a:rPr lang="en-US" dirty="0" smtClean="0"/>
-              <a:t> </a:t>
-            </a:r>
-            <a:r>
-              <a:rPr lang="en-US" dirty="0" err="1" smtClean="0"/>
-              <a:t>cho</a:t>
-            </a:r>
-            <a:r>
-              <a:rPr lang="en-US" dirty="0" smtClean="0"/>
-              <a:t> </a:t>
-            </a:r>
-            <a:r>
-              <a:rPr lang="en-US" dirty="0" err="1" smtClean="0"/>
-              <a:t>sản</a:t>
-            </a:r>
-            <a:r>
-              <a:rPr lang="en-US" dirty="0" smtClean="0"/>
-              <a:t> </a:t>
-            </a:r>
-            <a:r>
-              <a:rPr lang="en-US" dirty="0" err="1" smtClean="0"/>
-              <a:t>phẩm</a:t>
-            </a:r>
-            <a:r>
-              <a:rPr lang="en-US" dirty="0"/>
-              <a:t>:</a:t>
-            </a:r>
-            <a:endParaRPr lang="en-US" dirty="0"/>
+            <a:off x="0" y="18256"/>
+            <a:ext cx="12192000" cy="1126964"/>
+          </a:xfrm>
+        </p:spPr>
+        <p:txBody>
+          <a:bodyPr/>
+          <a:lstStyle/>
+          <a:p>
+            <a:r>
+              <a:rPr lang="en-US"/>
+              <a:t>Hiển thị số l</a:t>
+            </a:r>
+            <a:r>
+              <a:rPr lang="vi-VN"/>
+              <a:t>ư</a:t>
+            </a:r>
+            <a:r>
+              <a:rPr lang="en-US"/>
+              <a:t>ợng tồn kho cho khách hàng dễ theo dõi</a:t>
+            </a:r>
           </a:p>
         </p:txBody>
       </p:sp>
@@ -4674,7 +6095,7 @@
           <p:cNvPr id="3" name="Content Placeholder 2">
             <a:extLst>
               <a:ext uri="{FF2B5EF4-FFF2-40B4-BE49-F238E27FC236}">
-                <a16:creationId xmlns:a16="http://schemas.microsoft.com/office/drawing/2014/main" id="{B482D835-57A5-4B82-B1E6-308C9205EC89}"/>
+                <a16:creationId xmlns:a16="http://schemas.microsoft.com/office/drawing/2014/main" id="{61F860B0-0470-4A4C-8A35-924ACEEC657A}"/>
               </a:ext>
             </a:extLst>
           </p:cNvPr>
@@ -4687,22 +6108,134 @@
         </p:nvSpPr>
         <p:spPr>
           <a:xfrm>
-            <a:off x="-1" y="879230"/>
-            <a:ext cx="12098215" cy="5917223"/>
-          </a:xfrm>
-        </p:spPr>
-        <p:txBody>
-          <a:bodyPr/>
-          <a:lstStyle/>
-          <a:p>
-            <a:endParaRPr lang="en-US" dirty="0"/>
+            <a:off x="838200" y="1825625"/>
+            <a:ext cx="10515600" cy="1423602"/>
+          </a:xfrm>
+        </p:spPr>
+        <p:txBody>
+          <a:bodyPr/>
+          <a:lstStyle/>
+          <a:p>
+            <a:endParaRPr lang="en-US"/>
+          </a:p>
+        </p:txBody>
+      </p:sp>
+      <p:pic>
+        <p:nvPicPr>
+          <p:cNvPr id="4" name="Picture 3">
+            <a:extLst>
+              <a:ext uri="{FF2B5EF4-FFF2-40B4-BE49-F238E27FC236}">
+                <a16:creationId xmlns:a16="http://schemas.microsoft.com/office/drawing/2014/main" id="{45B0E9CE-4332-4310-8244-91ECA188451C}"/>
+              </a:ext>
+            </a:extLst>
+          </p:cNvPr>
+          <p:cNvPicPr>
+            <a:picLocks noChangeAspect="1"/>
+          </p:cNvPicPr>
+          <p:nvPr/>
+        </p:nvPicPr>
+        <p:blipFill>
+          <a:blip r:embed="rId2"/>
+          <a:stretch>
+            <a:fillRect/>
+          </a:stretch>
+        </p:blipFill>
+        <p:spPr>
+          <a:xfrm>
+            <a:off x="744494" y="1825625"/>
+            <a:ext cx="4382112" cy="1038370"/>
+          </a:xfrm>
+          <a:prstGeom prst="rect">
+            <a:avLst/>
+          </a:prstGeom>
+        </p:spPr>
+      </p:pic>
+      <p:cxnSp>
+        <p:nvCxnSpPr>
+          <p:cNvPr id="6" name="Straight Arrow Connector 5">
+            <a:extLst>
+              <a:ext uri="{FF2B5EF4-FFF2-40B4-BE49-F238E27FC236}">
+                <a16:creationId xmlns:a16="http://schemas.microsoft.com/office/drawing/2014/main" id="{D49B4F97-FF2F-4441-BB37-4DAF2CD767A7}"/>
+              </a:ext>
+            </a:extLst>
+          </p:cNvPr>
+          <p:cNvCxnSpPr/>
+          <p:nvPr/>
+        </p:nvCxnSpPr>
+        <p:spPr>
+          <a:xfrm>
+            <a:off x="2734322" y="2863995"/>
+            <a:ext cx="1704513" cy="1521574"/>
+          </a:xfrm>
+          <a:prstGeom prst="straightConnector1">
+            <a:avLst/>
+          </a:prstGeom>
+          <a:ln>
+            <a:tailEnd type="triangle"/>
+          </a:ln>
+        </p:spPr>
+        <p:style>
+          <a:lnRef idx="1">
+            <a:schemeClr val="dk1"/>
+          </a:lnRef>
+          <a:fillRef idx="0">
+            <a:schemeClr val="dk1"/>
+          </a:fillRef>
+          <a:effectRef idx="0">
+            <a:schemeClr val="dk1"/>
+          </a:effectRef>
+          <a:fontRef idx="minor">
+            <a:schemeClr val="tx1"/>
+          </a:fontRef>
+        </p:style>
+      </p:cxnSp>
+      <p:sp>
+        <p:nvSpPr>
+          <p:cNvPr id="7" name="TextBox 6">
+            <a:extLst>
+              <a:ext uri="{FF2B5EF4-FFF2-40B4-BE49-F238E27FC236}">
+                <a16:creationId xmlns:a16="http://schemas.microsoft.com/office/drawing/2014/main" id="{32DA004C-5527-4B34-A948-B2C41CC43E01}"/>
+              </a:ext>
+            </a:extLst>
+          </p:cNvPr>
+          <p:cNvSpPr txBox="1"/>
+          <p:nvPr/>
+        </p:nvSpPr>
+        <p:spPr>
+          <a:xfrm>
+            <a:off x="4714043" y="3929632"/>
+            <a:ext cx="6702640" cy="369332"/>
+          </a:xfrm>
+          <a:prstGeom prst="rect">
+            <a:avLst/>
+          </a:prstGeom>
+          <a:noFill/>
+        </p:spPr>
+        <p:txBody>
+          <a:bodyPr wrap="square" rtlCol="0">
+            <a:spAutoFit/>
+          </a:bodyPr>
+          <a:lstStyle/>
+          <a:p>
+            <a:r>
+              <a:rPr lang="en-US"/>
+              <a:t>Sản phẩm đang tồn 100 chiếc thì ko cho phép đặt quá số l</a:t>
+            </a:r>
+            <a:r>
+              <a:rPr lang="vi-VN"/>
+              <a:t>ư</a:t>
+            </a:r>
+            <a:r>
+              <a:rPr lang="en-US"/>
+              <a:t>ợng.</a:t>
+            </a:r>
           </a:p>
         </p:txBody>
       </p:sp>
     </p:spTree>
     <p:extLst>
       <p:ext uri="{BB962C8B-B14F-4D97-AF65-F5344CB8AC3E}">
-        <p14:creationId xmlns:p14="http://schemas.microsoft.com/office/powerpoint/2010/main" val="3530004102"/>
+        <p14:creationId xmlns:p14="http://schemas.microsoft.com/office/powerpoint/2010/main" val="1120906077"/>
       </p:ext>
     </p:extLst>
   </p:cSld>
@@ -4734,7 +6267,7 @@
           <p:cNvPr id="2" name="Title 1">
             <a:extLst>
               <a:ext uri="{FF2B5EF4-FFF2-40B4-BE49-F238E27FC236}">
-                <a16:creationId xmlns:a16="http://schemas.microsoft.com/office/drawing/2014/main" id="{04CC3C41-F74B-47C9-92A9-3D20D95F4CD9}"/>
+                <a16:creationId xmlns:a16="http://schemas.microsoft.com/office/drawing/2014/main" id="{FC7D3818-0818-4F29-B056-E0D3F5446809}"/>
               </a:ext>
             </a:extLst>
           </p:cNvPr>
@@ -4745,43 +6278,32 @@
             <p:ph type="title"/>
           </p:nvPr>
         </p:nvSpPr>
-        <p:spPr/>
-        <p:txBody>
-          <a:bodyPr/>
-          <a:lstStyle/>
-          <a:p>
-            <a:endParaRPr lang="en-US"/>
-          </a:p>
-        </p:txBody>
-      </p:sp>
-      <p:sp>
-        <p:nvSpPr>
-          <p:cNvPr id="3" name="Content Placeholder 2">
-            <a:extLst>
-              <a:ext uri="{FF2B5EF4-FFF2-40B4-BE49-F238E27FC236}">
-                <a16:creationId xmlns:a16="http://schemas.microsoft.com/office/drawing/2014/main" id="{9717A275-27D3-4996-9456-F256C9A6839B}"/>
-              </a:ext>
-            </a:extLst>
-          </p:cNvPr>
-          <p:cNvSpPr>
-            <a:spLocks noGrp="1"/>
-          </p:cNvSpPr>
-          <p:nvPr>
-            <p:ph idx="1"/>
-          </p:nvPr>
-        </p:nvSpPr>
-        <p:spPr/>
-        <p:txBody>
-          <a:bodyPr/>
-          <a:lstStyle/>
-          <a:p>
-            <a:endParaRPr lang="en-US"/>
+        <p:spPr>
+          <a:xfrm>
+            <a:off x="0" y="0"/>
+            <a:ext cx="11353800" cy="1325563"/>
+          </a:xfrm>
+        </p:spPr>
+        <p:txBody>
+          <a:bodyPr/>
+          <a:lstStyle/>
+          <a:p>
+            <a:r>
+              <a:rPr lang="en-US"/>
+              <a:t>Phải tải sản phẩm về thì mới có thể sử dụng.</a:t>
+            </a:r>
           </a:p>
         </p:txBody>
       </p:sp>
       <p:pic>
         <p:nvPicPr>
-          <p:cNvPr id="4" name="Picture 3"/>
+          <p:cNvPr id="4" name="Picture 3">
+            <a:extLst>
+              <a:ext uri="{FF2B5EF4-FFF2-40B4-BE49-F238E27FC236}">
+                <a16:creationId xmlns:a16="http://schemas.microsoft.com/office/drawing/2014/main" id="{0FFF2D82-03D3-4988-81A9-3C7E4C5CB703}"/>
+              </a:ext>
+            </a:extLst>
+          </p:cNvPr>
           <p:cNvPicPr>
             <a:picLocks noChangeAspect="1"/>
           </p:cNvPicPr>
@@ -4795,8 +6317,8 @@
         </p:blipFill>
         <p:spPr>
           <a:xfrm>
-            <a:off x="697196" y="365125"/>
-            <a:ext cx="9935962" cy="5001323"/>
+            <a:off x="456725" y="1325563"/>
+            <a:ext cx="10809038" cy="5057482"/>
           </a:xfrm>
           <a:prstGeom prst="rect">
             <a:avLst/>
@@ -4806,7 +6328,7 @@
     </p:spTree>
     <p:extLst>
       <p:ext uri="{BB962C8B-B14F-4D97-AF65-F5344CB8AC3E}">
-        <p14:creationId xmlns:p14="http://schemas.microsoft.com/office/powerpoint/2010/main" val="1306179065"/>
+        <p14:creationId xmlns:p14="http://schemas.microsoft.com/office/powerpoint/2010/main" val="144295360"/>
       </p:ext>
     </p:extLst>
   </p:cSld>
@@ -4838,7 +6360,7 @@
           <p:cNvPr id="2" name="Title 1">
             <a:extLst>
               <a:ext uri="{FF2B5EF4-FFF2-40B4-BE49-F238E27FC236}">
-                <a16:creationId xmlns:a16="http://schemas.microsoft.com/office/drawing/2014/main" id="{E5B006C8-F62C-4D90-8956-37DD7ACB1EA4}"/>
+                <a16:creationId xmlns:a16="http://schemas.microsoft.com/office/drawing/2014/main" id="{04CC3C41-F74B-47C9-92A9-3D20D95F4CD9}"/>
               </a:ext>
             </a:extLst>
           </p:cNvPr>
@@ -4849,44 +6371,51 @@
             <p:ph type="title"/>
           </p:nvPr>
         </p:nvSpPr>
-        <p:spPr/>
-        <p:txBody>
-          <a:bodyPr/>
-          <a:lstStyle/>
-          <a:p>
-            <a:endParaRPr lang="en-US"/>
-          </a:p>
-        </p:txBody>
-      </p:sp>
-      <p:sp>
-        <p:nvSpPr>
-          <p:cNvPr id="3" name="Content Placeholder 2">
-            <a:extLst>
-              <a:ext uri="{FF2B5EF4-FFF2-40B4-BE49-F238E27FC236}">
-                <a16:creationId xmlns:a16="http://schemas.microsoft.com/office/drawing/2014/main" id="{D943205C-862A-4E82-9868-184E2845C582}"/>
-              </a:ext>
-            </a:extLst>
-          </p:cNvPr>
-          <p:cNvSpPr>
-            <a:spLocks noGrp="1"/>
-          </p:cNvSpPr>
-          <p:nvPr>
-            <p:ph idx="1"/>
-          </p:nvPr>
-        </p:nvSpPr>
-        <p:spPr/>
-        <p:txBody>
-          <a:bodyPr/>
-          <a:lstStyle/>
-          <a:p>
-            <a:endParaRPr lang="en-US"/>
-          </a:p>
-        </p:txBody>
-      </p:sp>
+        <p:spPr>
+          <a:xfrm>
+            <a:off x="0" y="0"/>
+            <a:ext cx="11353800" cy="727969"/>
+          </a:xfrm>
+        </p:spPr>
+        <p:txBody>
+          <a:bodyPr/>
+          <a:lstStyle/>
+          <a:p>
+            <a:r>
+              <a:rPr lang="en-US"/>
+              <a:t>3) Cài đặt cho phần giao hàng:</a:t>
+            </a:r>
+          </a:p>
+        </p:txBody>
+      </p:sp>
+      <p:pic>
+        <p:nvPicPr>
+          <p:cNvPr id="4" name="Picture 3"/>
+          <p:cNvPicPr>
+            <a:picLocks noChangeAspect="1"/>
+          </p:cNvPicPr>
+          <p:nvPr/>
+        </p:nvPicPr>
+        <p:blipFill>
+          <a:blip r:embed="rId2"/>
+          <a:stretch>
+            <a:fillRect/>
+          </a:stretch>
+        </p:blipFill>
+        <p:spPr>
+          <a:xfrm>
+            <a:off x="192350" y="1118586"/>
+            <a:ext cx="11807300" cy="5418677"/>
+          </a:xfrm>
+          <a:prstGeom prst="rect">
+            <a:avLst/>
+          </a:prstGeom>
+        </p:spPr>
+      </p:pic>
     </p:spTree>
     <p:extLst>
       <p:ext uri="{BB962C8B-B14F-4D97-AF65-F5344CB8AC3E}">
-        <p14:creationId xmlns:p14="http://schemas.microsoft.com/office/powerpoint/2010/main" val="2336317200"/>
+        <p14:creationId xmlns:p14="http://schemas.microsoft.com/office/powerpoint/2010/main" val="1306179065"/>
       </p:ext>
     </p:extLst>
   </p:cSld>
@@ -4918,7 +6447,7 @@
           <p:cNvPr id="2" name="Title 1">
             <a:extLst>
               <a:ext uri="{FF2B5EF4-FFF2-40B4-BE49-F238E27FC236}">
-                <a16:creationId xmlns:a16="http://schemas.microsoft.com/office/drawing/2014/main" id="{03F6BB26-08E0-4908-991C-2BC79E1238FD}"/>
+                <a16:creationId xmlns:a16="http://schemas.microsoft.com/office/drawing/2014/main" id="{E5B006C8-F62C-4D90-8956-37DD7ACB1EA4}"/>
               </a:ext>
             </a:extLst>
           </p:cNvPr>
@@ -4929,44 +6458,231 @@
             <p:ph type="title"/>
           </p:nvPr>
         </p:nvSpPr>
-        <p:spPr/>
-        <p:txBody>
-          <a:bodyPr/>
-          <a:lstStyle/>
+        <p:spPr>
+          <a:xfrm>
+            <a:off x="0" y="0"/>
+            <a:ext cx="10515600" cy="913259"/>
+          </a:xfrm>
+        </p:spPr>
+        <p:txBody>
+          <a:bodyPr/>
+          <a:lstStyle/>
+          <a:p>
+            <a:r>
+              <a:rPr lang="en-US"/>
+              <a:t>Chọn ph</a:t>
+            </a:r>
+            <a:r>
+              <a:rPr lang="vi-VN"/>
+              <a:t>ư</a:t>
+            </a:r>
+            <a:r>
+              <a:rPr lang="en-US"/>
+              <a:t>ơng thức giao hàng.</a:t>
+            </a:r>
+          </a:p>
+        </p:txBody>
+      </p:sp>
+      <p:pic>
+        <p:nvPicPr>
+          <p:cNvPr id="4" name="Picture 3">
+            <a:extLst>
+              <a:ext uri="{FF2B5EF4-FFF2-40B4-BE49-F238E27FC236}">
+                <a16:creationId xmlns:a16="http://schemas.microsoft.com/office/drawing/2014/main" id="{E91862E7-2E04-4B89-9307-3AA54070543C}"/>
+              </a:ext>
+            </a:extLst>
+          </p:cNvPr>
+          <p:cNvPicPr>
+            <a:picLocks noChangeAspect="1"/>
+          </p:cNvPicPr>
+          <p:nvPr/>
+        </p:nvPicPr>
+        <p:blipFill>
+          <a:blip r:embed="rId2"/>
+          <a:stretch>
+            <a:fillRect/>
+          </a:stretch>
+        </p:blipFill>
+        <p:spPr>
+          <a:xfrm>
+            <a:off x="150920" y="977625"/>
+            <a:ext cx="6880193" cy="2378134"/>
+          </a:xfrm>
+          <a:prstGeom prst="rect">
+            <a:avLst/>
+          </a:prstGeom>
+        </p:spPr>
+      </p:pic>
+      <p:pic>
+        <p:nvPicPr>
+          <p:cNvPr id="5" name="Picture 4">
+            <a:extLst>
+              <a:ext uri="{FF2B5EF4-FFF2-40B4-BE49-F238E27FC236}">
+                <a16:creationId xmlns:a16="http://schemas.microsoft.com/office/drawing/2014/main" id="{833A4A25-337A-421D-AECA-5B9B541AB3DA}"/>
+              </a:ext>
+            </a:extLst>
+          </p:cNvPr>
+          <p:cNvPicPr>
+            <a:picLocks noChangeAspect="1"/>
+          </p:cNvPicPr>
+          <p:nvPr/>
+        </p:nvPicPr>
+        <p:blipFill>
+          <a:blip r:embed="rId3"/>
+          <a:stretch>
+            <a:fillRect/>
+          </a:stretch>
+        </p:blipFill>
+        <p:spPr>
+          <a:xfrm>
+            <a:off x="150920" y="3502242"/>
+            <a:ext cx="7998781" cy="2543530"/>
+          </a:xfrm>
+          <a:prstGeom prst="rect">
+            <a:avLst/>
+          </a:prstGeom>
+        </p:spPr>
+      </p:pic>
+      <p:cxnSp>
+        <p:nvCxnSpPr>
+          <p:cNvPr id="7" name="Straight Arrow Connector 6">
+            <a:extLst>
+              <a:ext uri="{FF2B5EF4-FFF2-40B4-BE49-F238E27FC236}">
+                <a16:creationId xmlns:a16="http://schemas.microsoft.com/office/drawing/2014/main" id="{172CB828-2DD8-481B-BF71-00ECCF50886E}"/>
+              </a:ext>
+            </a:extLst>
+          </p:cNvPr>
+          <p:cNvCxnSpPr>
+            <a:cxnSpLocks/>
+          </p:cNvCxnSpPr>
+          <p:nvPr/>
+        </p:nvCxnSpPr>
+        <p:spPr>
+          <a:xfrm flipV="1">
+            <a:off x="5513033" y="4039340"/>
+            <a:ext cx="2796466" cy="887768"/>
+          </a:xfrm>
+          <a:prstGeom prst="straightConnector1">
+            <a:avLst/>
+          </a:prstGeom>
+          <a:ln>
+            <a:tailEnd type="triangle"/>
+          </a:ln>
+        </p:spPr>
+        <p:style>
+          <a:lnRef idx="1">
+            <a:schemeClr val="dk1"/>
+          </a:lnRef>
+          <a:fillRef idx="0">
+            <a:schemeClr val="dk1"/>
+          </a:fillRef>
+          <a:effectRef idx="0">
+            <a:schemeClr val="dk1"/>
+          </a:effectRef>
+          <a:fontRef idx="minor">
+            <a:schemeClr val="tx1"/>
+          </a:fontRef>
+        </p:style>
+      </p:cxnSp>
+      <p:sp>
+        <p:nvSpPr>
+          <p:cNvPr id="8" name="TextBox 7">
+            <a:extLst>
+              <a:ext uri="{FF2B5EF4-FFF2-40B4-BE49-F238E27FC236}">
+                <a16:creationId xmlns:a16="http://schemas.microsoft.com/office/drawing/2014/main" id="{1D288898-DFF3-4376-9BAF-258C59D45725}"/>
+              </a:ext>
+            </a:extLst>
+          </p:cNvPr>
+          <p:cNvSpPr txBox="1"/>
+          <p:nvPr/>
+        </p:nvSpPr>
+        <p:spPr>
+          <a:xfrm>
+            <a:off x="8380520" y="3355758"/>
+            <a:ext cx="2565647" cy="369332"/>
+          </a:xfrm>
+          <a:prstGeom prst="rect">
+            <a:avLst/>
+          </a:prstGeom>
+          <a:noFill/>
+        </p:spPr>
+        <p:txBody>
+          <a:bodyPr wrap="square" rtlCol="0">
+            <a:spAutoFit/>
+          </a:bodyPr>
+          <a:lstStyle/>
+          <a:p>
+            <a:r>
+              <a:rPr lang="en-US"/>
+              <a:t>Điều kiện để FreeShip</a:t>
+            </a:r>
+          </a:p>
+        </p:txBody>
+      </p:sp>
+      <p:sp>
+        <p:nvSpPr>
+          <p:cNvPr id="10" name="TextBox 9">
+            <a:extLst>
+              <a:ext uri="{FF2B5EF4-FFF2-40B4-BE49-F238E27FC236}">
+                <a16:creationId xmlns:a16="http://schemas.microsoft.com/office/drawing/2014/main" id="{D507EAD7-85D5-4DA3-92E2-AC443A9F80C9}"/>
+              </a:ext>
+            </a:extLst>
+          </p:cNvPr>
+          <p:cNvSpPr txBox="1"/>
+          <p:nvPr/>
+        </p:nvSpPr>
+        <p:spPr>
+          <a:xfrm>
+            <a:off x="8380520" y="3854674"/>
+            <a:ext cx="3231472" cy="1200329"/>
+          </a:xfrm>
+          <a:prstGeom prst="rect">
+            <a:avLst/>
+          </a:prstGeom>
+          <a:noFill/>
+        </p:spPr>
+        <p:txBody>
+          <a:bodyPr wrap="square" rtlCol="0">
+            <a:spAutoFit/>
+          </a:bodyPr>
+          <a:lstStyle/>
+          <a:p>
+            <a:r>
+              <a:rPr lang="en-US"/>
+              <a:t>Giới hạn điều kiện để FreeShip,</a:t>
+            </a:r>
+          </a:p>
           <a:p>
             <a:endParaRPr lang="en-US"/>
           </a:p>
-        </p:txBody>
-      </p:sp>
-      <p:sp>
-        <p:nvSpPr>
-          <p:cNvPr id="3" name="Content Placeholder 2">
-            <a:extLst>
-              <a:ext uri="{FF2B5EF4-FFF2-40B4-BE49-F238E27FC236}">
-                <a16:creationId xmlns:a16="http://schemas.microsoft.com/office/drawing/2014/main" id="{600C78DE-0702-4DE3-AE9C-86E7F95DE0CE}"/>
-              </a:ext>
-            </a:extLst>
-          </p:cNvPr>
-          <p:cNvSpPr>
-            <a:spLocks noGrp="1"/>
-          </p:cNvSpPr>
-          <p:nvPr>
-            <p:ph idx="1"/>
-          </p:nvPr>
-        </p:nvSpPr>
-        <p:spPr/>
-        <p:txBody>
-          <a:bodyPr/>
-          <a:lstStyle/>
-          <a:p>
-            <a:endParaRPr lang="en-US"/>
+          <a:p>
+            <a:r>
+              <a:rPr lang="en-US"/>
+              <a:t>Ví dụ: đ</a:t>
+            </a:r>
+            <a:r>
+              <a:rPr lang="vi-VN"/>
+              <a:t>ơ</a:t>
+            </a:r>
+            <a:r>
+              <a:rPr lang="en-US"/>
+              <a:t>n hàng trên 500K mới đ</a:t>
+            </a:r>
+            <a:r>
+              <a:rPr lang="vi-VN"/>
+              <a:t>ư</a:t>
+            </a:r>
+            <a:r>
+              <a:rPr lang="en-US"/>
+              <a:t>ợc FreeShip.</a:t>
+            </a:r>
           </a:p>
         </p:txBody>
       </p:sp>
     </p:spTree>
     <p:extLst>
       <p:ext uri="{BB962C8B-B14F-4D97-AF65-F5344CB8AC3E}">
-        <p14:creationId xmlns:p14="http://schemas.microsoft.com/office/powerpoint/2010/main" val="2504736343"/>
+        <p14:creationId xmlns:p14="http://schemas.microsoft.com/office/powerpoint/2010/main" val="2336317200"/>
       </p:ext>
     </p:extLst>
   </p:cSld>
